--- a/OBD2/Document/OBD.pptx
+++ b/OBD2/Document/OBD.pptx
@@ -3096,6 +3096,13 @@
   <p:clrMapOvr>
     <a:masterClrMapping/>
   </p:clrMapOvr>
+  <p:timing>
+    <p:tnLst>
+      <p:par>
+        <p:cTn id="1" dur="indefinite" restart="never" nodeType="tmRoot"/>
+      </p:par>
+    </p:tnLst>
+  </p:timing>
 </p:sld>
 </file>
 
@@ -3155,6 +3162,10 @@
           <a:bodyPr/>
           <a:lstStyle/>
           <a:p>
+            <a:r>
+              <a:rPr lang="en-US" altLang="zh-CN" dirty="0" smtClean="0"/>
+              <a:t>Session layer</a:t>
+            </a:r>
             <a:endParaRPr lang="en-US" altLang="zh-CN" dirty="0" smtClean="0"/>
           </a:p>
           <a:p>
@@ -3341,26 +3352,22 @@
         </p:nvSpPr>
         <p:spPr>
           <a:xfrm>
-            <a:off x="251520" y="116632"/>
+            <a:off x="197060" y="188640"/>
             <a:ext cx="8229600" cy="634082"/>
           </a:xfrm>
         </p:spPr>
         <p:txBody>
           <a:bodyPr>
-            <a:normAutofit fontScale="90000"/>
+            <a:normAutofit/>
           </a:bodyPr>
           <a:lstStyle/>
           <a:p>
             <a:pPr algn="l"/>
             <a:r>
-              <a:rPr lang="en-US" altLang="zh-CN" dirty="0" smtClean="0"/>
-              <a:t>Service </a:t>
-            </a:r>
-            <a:r>
-              <a:rPr lang="en-US" altLang="zh-CN" dirty="0" smtClean="0"/>
-              <a:t>flow between different layers</a:t>
-            </a:r>
-            <a:endParaRPr lang="zh-CN" altLang="en-US" dirty="0"/>
+              <a:rPr lang="en-US" altLang="zh-CN" sz="3200" dirty="0" smtClean="0"/>
+              <a:t>Request service flow between different layers</a:t>
+            </a:r>
+            <a:endParaRPr lang="zh-CN" altLang="en-US" sz="3200" dirty="0"/>
           </a:p>
         </p:txBody>
       </p:sp>
@@ -4440,8 +4447,13 @@
             <a:pPr algn="ctr"/>
             <a:r>
               <a:rPr lang="en-US" altLang="zh-CN" sz="1200" dirty="0" smtClean="0"/>
-              <a:t>FC  Wait</a:t>
-            </a:r>
+              <a:t>FC </a:t>
+            </a:r>
+            <a:r>
+              <a:rPr lang="en-US" altLang="zh-CN" sz="1200" dirty="0" err="1" smtClean="0"/>
+              <a:t>Ind</a:t>
+            </a:r>
+            <a:endParaRPr lang="en-US" altLang="zh-CN" sz="1200" dirty="0" smtClean="0"/>
           </a:p>
         </p:txBody>
       </p:sp>
@@ -7820,7 +7832,7 @@
             <a:pPr algn="l"/>
             <a:r>
               <a:rPr lang="en-US" altLang="zh-CN" sz="3200" dirty="0" smtClean="0"/>
-              <a:t>Data link layer data mapping with N_PDU</a:t>
+              <a:t>Data link layer data mapping with N_PDU(29bit)</a:t>
             </a:r>
             <a:endParaRPr lang="zh-CN" altLang="en-US" sz="3200" dirty="0"/>
           </a:p>
@@ -12786,6 +12798,11 @@
           </a:bodyPr>
           <a:lstStyle/>
           <a:p>
+            <a:pPr algn="l"/>
+            <a:r>
+              <a:rPr lang="en-US" altLang="zh-CN" dirty="0"/>
+              <a:t>Data flow between different layers</a:t>
+            </a:r>
             <a:endParaRPr lang="zh-CN" altLang="en-US" dirty="0"/>
           </a:p>
         </p:txBody>
@@ -12798,7 +12815,7 @@
         </p:nvSpPr>
         <p:spPr>
           <a:xfrm>
-            <a:off x="2421133" y="1124744"/>
+            <a:off x="2592855" y="1167775"/>
             <a:ext cx="2164659" cy="5611603"/>
           </a:xfrm>
           <a:prstGeom prst="downArrow">
@@ -13055,8 +13072,13 @@
             <a:pPr algn="ctr"/>
             <a:r>
               <a:rPr lang="en-US" altLang="zh-CN" sz="1200" dirty="0" smtClean="0"/>
-              <a:t>FC  Wait</a:t>
-            </a:r>
+              <a:t>FC  </a:t>
+            </a:r>
+            <a:r>
+              <a:rPr lang="en-US" altLang="zh-CN" sz="1200" dirty="0" err="1" smtClean="0"/>
+              <a:t>Ind</a:t>
+            </a:r>
+            <a:endParaRPr lang="en-US" altLang="zh-CN" sz="1200" dirty="0" smtClean="0"/>
           </a:p>
         </p:txBody>
       </p:sp>
@@ -15669,6 +15691,11 @@
             <a:avLst/>
           </a:prstGeom>
           <a:ln>
+            <a:solidFill>
+              <a:schemeClr val="accent6">
+                <a:alpha val="55000"/>
+              </a:schemeClr>
+            </a:solidFill>
             <a:prstDash val="dash"/>
           </a:ln>
         </p:spPr>
@@ -15743,6 +15770,11 @@
             <a:avLst/>
           </a:prstGeom>
           <a:ln>
+            <a:solidFill>
+              <a:schemeClr val="accent6">
+                <a:alpha val="52000"/>
+              </a:schemeClr>
+            </a:solidFill>
             <a:prstDash val="dash"/>
           </a:ln>
         </p:spPr>
@@ -15848,6 +15880,11 @@
             <a:avLst/>
           </a:prstGeom>
           <a:ln>
+            <a:solidFill>
+              <a:schemeClr val="accent6">
+                <a:alpha val="48000"/>
+              </a:schemeClr>
+            </a:solidFill>
             <a:prstDash val="dash"/>
           </a:ln>
         </p:spPr>
@@ -15881,6 +15918,11 @@
             <a:avLst/>
           </a:prstGeom>
           <a:ln>
+            <a:solidFill>
+              <a:schemeClr val="accent6">
+                <a:alpha val="48000"/>
+              </a:schemeClr>
+            </a:solidFill>
             <a:prstDash val="dash"/>
           </a:ln>
         </p:spPr>

--- a/OBD2/Document/OBD.pptx
+++ b/OBD2/Document/OBD.pptx
@@ -4,6 +4,9 @@
   <p:sldMasterIdLst>
     <p:sldMasterId id="2147483648" r:id="rId1"/>
   </p:sldMasterIdLst>
+  <p:notesMasterIdLst>
+    <p:notesMasterId r:id="rId9"/>
+  </p:notesMasterIdLst>
   <p:sldIdLst>
     <p:sldId id="256" r:id="rId2"/>
     <p:sldId id="257" r:id="rId3"/>
@@ -113,6 +116,440 @@
 </p:presentation>
 </file>
 
+<file path=ppt/notesMasters/notesMaster1.xml><?xml version="1.0" encoding="utf-8"?>
+<p:notesMaster xmlns:a="http://schemas.openxmlformats.org/drawingml/2006/main" xmlns:r="http://schemas.openxmlformats.org/officeDocument/2006/relationships" xmlns:p="http://schemas.openxmlformats.org/presentationml/2006/main">
+  <p:cSld>
+    <p:bg>
+      <p:bgRef idx="1001">
+        <a:schemeClr val="bg1"/>
+      </p:bgRef>
+    </p:bg>
+    <p:spTree>
+      <p:nvGrpSpPr>
+        <p:cNvPr id="1" name=""/>
+        <p:cNvGrpSpPr/>
+        <p:nvPr/>
+      </p:nvGrpSpPr>
+      <p:grpSpPr>
+        <a:xfrm>
+          <a:off x="0" y="0"/>
+          <a:ext cx="0" cy="0"/>
+          <a:chOff x="0" y="0"/>
+          <a:chExt cx="0" cy="0"/>
+        </a:xfrm>
+      </p:grpSpPr>
+      <p:sp>
+        <p:nvSpPr>
+          <p:cNvPr id="2" name="页眉占位符 1"/>
+          <p:cNvSpPr>
+            <a:spLocks noGrp="1"/>
+          </p:cNvSpPr>
+          <p:nvPr>
+            <p:ph type="hdr" sz="quarter"/>
+          </p:nvPr>
+        </p:nvSpPr>
+        <p:spPr>
+          <a:xfrm>
+            <a:off x="0" y="0"/>
+            <a:ext cx="2971800" cy="457200"/>
+          </a:xfrm>
+          <a:prstGeom prst="rect">
+            <a:avLst/>
+          </a:prstGeom>
+        </p:spPr>
+        <p:txBody>
+          <a:bodyPr vert="horz" lIns="91440" tIns="45720" rIns="91440" bIns="45720" rtlCol="0"/>
+          <a:lstStyle>
+            <a:lvl1pPr algn="l">
+              <a:defRPr sz="1200"/>
+            </a:lvl1pPr>
+          </a:lstStyle>
+          <a:p>
+            <a:endParaRPr lang="zh-CN" altLang="en-US"/>
+          </a:p>
+        </p:txBody>
+      </p:sp>
+      <p:sp>
+        <p:nvSpPr>
+          <p:cNvPr id="3" name="日期占位符 2"/>
+          <p:cNvSpPr>
+            <a:spLocks noGrp="1"/>
+          </p:cNvSpPr>
+          <p:nvPr>
+            <p:ph type="dt" idx="1"/>
+          </p:nvPr>
+        </p:nvSpPr>
+        <p:spPr>
+          <a:xfrm>
+            <a:off x="3884613" y="0"/>
+            <a:ext cx="2971800" cy="457200"/>
+          </a:xfrm>
+          <a:prstGeom prst="rect">
+            <a:avLst/>
+          </a:prstGeom>
+        </p:spPr>
+        <p:txBody>
+          <a:bodyPr vert="horz" lIns="91440" tIns="45720" rIns="91440" bIns="45720" rtlCol="0"/>
+          <a:lstStyle>
+            <a:lvl1pPr algn="r">
+              <a:defRPr sz="1200"/>
+            </a:lvl1pPr>
+          </a:lstStyle>
+          <a:p>
+            <a:fld id="{CAF1555B-97D8-4054-B8CD-F07176B815F4}" type="datetimeFigureOut">
+              <a:rPr lang="zh-CN" altLang="en-US" smtClean="0"/>
+              <a:t>2014/2/21</a:t>
+            </a:fld>
+            <a:endParaRPr lang="zh-CN" altLang="en-US"/>
+          </a:p>
+        </p:txBody>
+      </p:sp>
+      <p:sp>
+        <p:nvSpPr>
+          <p:cNvPr id="4" name="幻灯片图像占位符 3"/>
+          <p:cNvSpPr>
+            <a:spLocks noGrp="1" noRot="1" noChangeAspect="1"/>
+          </p:cNvSpPr>
+          <p:nvPr>
+            <p:ph type="sldImg" idx="2"/>
+          </p:nvPr>
+        </p:nvSpPr>
+        <p:spPr>
+          <a:xfrm>
+            <a:off x="1143000" y="685800"/>
+            <a:ext cx="4572000" cy="3429000"/>
+          </a:xfrm>
+          <a:prstGeom prst="rect">
+            <a:avLst/>
+          </a:prstGeom>
+          <a:noFill/>
+          <a:ln w="12700">
+            <a:solidFill>
+              <a:prstClr val="black"/>
+            </a:solidFill>
+          </a:ln>
+        </p:spPr>
+        <p:txBody>
+          <a:bodyPr vert="horz" lIns="91440" tIns="45720" rIns="91440" bIns="45720" rtlCol="0" anchor="ctr"/>
+          <a:lstStyle/>
+          <a:p>
+            <a:endParaRPr lang="zh-CN" altLang="en-US"/>
+          </a:p>
+        </p:txBody>
+      </p:sp>
+      <p:sp>
+        <p:nvSpPr>
+          <p:cNvPr id="5" name="备注占位符 4"/>
+          <p:cNvSpPr>
+            <a:spLocks noGrp="1"/>
+          </p:cNvSpPr>
+          <p:nvPr>
+            <p:ph type="body" sz="quarter" idx="3"/>
+          </p:nvPr>
+        </p:nvSpPr>
+        <p:spPr>
+          <a:xfrm>
+            <a:off x="685800" y="4343400"/>
+            <a:ext cx="5486400" cy="4114800"/>
+          </a:xfrm>
+          <a:prstGeom prst="rect">
+            <a:avLst/>
+          </a:prstGeom>
+        </p:spPr>
+        <p:txBody>
+          <a:bodyPr vert="horz" lIns="91440" tIns="45720" rIns="91440" bIns="45720" rtlCol="0"/>
+          <a:lstStyle/>
+          <a:p>
+            <a:pPr lvl="0"/>
+            <a:r>
+              <a:rPr lang="zh-CN" altLang="en-US" smtClean="0"/>
+              <a:t>单击此处编辑母版文本样式</a:t>
+            </a:r>
+          </a:p>
+          <a:p>
+            <a:pPr lvl="1"/>
+            <a:r>
+              <a:rPr lang="zh-CN" altLang="en-US" smtClean="0"/>
+              <a:t>第二级</a:t>
+            </a:r>
+          </a:p>
+          <a:p>
+            <a:pPr lvl="2"/>
+            <a:r>
+              <a:rPr lang="zh-CN" altLang="en-US" smtClean="0"/>
+              <a:t>第三级</a:t>
+            </a:r>
+          </a:p>
+          <a:p>
+            <a:pPr lvl="3"/>
+            <a:r>
+              <a:rPr lang="zh-CN" altLang="en-US" smtClean="0"/>
+              <a:t>第四级</a:t>
+            </a:r>
+          </a:p>
+          <a:p>
+            <a:pPr lvl="4"/>
+            <a:r>
+              <a:rPr lang="zh-CN" altLang="en-US" smtClean="0"/>
+              <a:t>第五级</a:t>
+            </a:r>
+            <a:endParaRPr lang="zh-CN" altLang="en-US"/>
+          </a:p>
+        </p:txBody>
+      </p:sp>
+      <p:sp>
+        <p:nvSpPr>
+          <p:cNvPr id="6" name="页脚占位符 5"/>
+          <p:cNvSpPr>
+            <a:spLocks noGrp="1"/>
+          </p:cNvSpPr>
+          <p:nvPr>
+            <p:ph type="ftr" sz="quarter" idx="4"/>
+          </p:nvPr>
+        </p:nvSpPr>
+        <p:spPr>
+          <a:xfrm>
+            <a:off x="0" y="8685213"/>
+            <a:ext cx="2971800" cy="457200"/>
+          </a:xfrm>
+          <a:prstGeom prst="rect">
+            <a:avLst/>
+          </a:prstGeom>
+        </p:spPr>
+        <p:txBody>
+          <a:bodyPr vert="horz" lIns="91440" tIns="45720" rIns="91440" bIns="45720" rtlCol="0" anchor="b"/>
+          <a:lstStyle>
+            <a:lvl1pPr algn="l">
+              <a:defRPr sz="1200"/>
+            </a:lvl1pPr>
+          </a:lstStyle>
+          <a:p>
+            <a:endParaRPr lang="zh-CN" altLang="en-US"/>
+          </a:p>
+        </p:txBody>
+      </p:sp>
+      <p:sp>
+        <p:nvSpPr>
+          <p:cNvPr id="7" name="灯片编号占位符 6"/>
+          <p:cNvSpPr>
+            <a:spLocks noGrp="1"/>
+          </p:cNvSpPr>
+          <p:nvPr>
+            <p:ph type="sldNum" sz="quarter" idx="5"/>
+          </p:nvPr>
+        </p:nvSpPr>
+        <p:spPr>
+          <a:xfrm>
+            <a:off x="3884613" y="8685213"/>
+            <a:ext cx="2971800" cy="457200"/>
+          </a:xfrm>
+          <a:prstGeom prst="rect">
+            <a:avLst/>
+          </a:prstGeom>
+        </p:spPr>
+        <p:txBody>
+          <a:bodyPr vert="horz" lIns="91440" tIns="45720" rIns="91440" bIns="45720" rtlCol="0" anchor="b"/>
+          <a:lstStyle>
+            <a:lvl1pPr algn="r">
+              <a:defRPr sz="1200"/>
+            </a:lvl1pPr>
+          </a:lstStyle>
+          <a:p>
+            <a:fld id="{A0BAAA1C-A33D-45D0-8446-D3DF09ABF039}" type="slidenum">
+              <a:rPr lang="zh-CN" altLang="en-US" smtClean="0"/>
+              <a:t>‹#›</a:t>
+            </a:fld>
+            <a:endParaRPr lang="zh-CN" altLang="en-US"/>
+          </a:p>
+        </p:txBody>
+      </p:sp>
+    </p:spTree>
+    <p:extLst>
+      <p:ext uri="{BB962C8B-B14F-4D97-AF65-F5344CB8AC3E}">
+        <p14:creationId xmlns:p14="http://schemas.microsoft.com/office/powerpoint/2010/main" val="3823875935"/>
+      </p:ext>
+    </p:extLst>
+  </p:cSld>
+  <p:clrMap bg1="lt1" tx1="dk1" bg2="lt2" tx2="dk2" accent1="accent1" accent2="accent2" accent3="accent3" accent4="accent4" accent5="accent5" accent6="accent6" hlink="hlink" folHlink="folHlink"/>
+  <p:notesStyle>
+    <a:lvl1pPr marL="0" algn="l" defTabSz="914400" rtl="0" eaLnBrk="1" latinLnBrk="0" hangingPunct="1">
+      <a:defRPr sz="1200" kern="1200">
+        <a:solidFill>
+          <a:schemeClr val="tx1"/>
+        </a:solidFill>
+        <a:latin typeface="+mn-lt"/>
+        <a:ea typeface="+mn-ea"/>
+        <a:cs typeface="+mn-cs"/>
+      </a:defRPr>
+    </a:lvl1pPr>
+    <a:lvl2pPr marL="457200" algn="l" defTabSz="914400" rtl="0" eaLnBrk="1" latinLnBrk="0" hangingPunct="1">
+      <a:defRPr sz="1200" kern="1200">
+        <a:solidFill>
+          <a:schemeClr val="tx1"/>
+        </a:solidFill>
+        <a:latin typeface="+mn-lt"/>
+        <a:ea typeface="+mn-ea"/>
+        <a:cs typeface="+mn-cs"/>
+      </a:defRPr>
+    </a:lvl2pPr>
+    <a:lvl3pPr marL="914400" algn="l" defTabSz="914400" rtl="0" eaLnBrk="1" latinLnBrk="0" hangingPunct="1">
+      <a:defRPr sz="1200" kern="1200">
+        <a:solidFill>
+          <a:schemeClr val="tx1"/>
+        </a:solidFill>
+        <a:latin typeface="+mn-lt"/>
+        <a:ea typeface="+mn-ea"/>
+        <a:cs typeface="+mn-cs"/>
+      </a:defRPr>
+    </a:lvl3pPr>
+    <a:lvl4pPr marL="1371600" algn="l" defTabSz="914400" rtl="0" eaLnBrk="1" latinLnBrk="0" hangingPunct="1">
+      <a:defRPr sz="1200" kern="1200">
+        <a:solidFill>
+          <a:schemeClr val="tx1"/>
+        </a:solidFill>
+        <a:latin typeface="+mn-lt"/>
+        <a:ea typeface="+mn-ea"/>
+        <a:cs typeface="+mn-cs"/>
+      </a:defRPr>
+    </a:lvl4pPr>
+    <a:lvl5pPr marL="1828800" algn="l" defTabSz="914400" rtl="0" eaLnBrk="1" latinLnBrk="0" hangingPunct="1">
+      <a:defRPr sz="1200" kern="1200">
+        <a:solidFill>
+          <a:schemeClr val="tx1"/>
+        </a:solidFill>
+        <a:latin typeface="+mn-lt"/>
+        <a:ea typeface="+mn-ea"/>
+        <a:cs typeface="+mn-cs"/>
+      </a:defRPr>
+    </a:lvl5pPr>
+    <a:lvl6pPr marL="2286000" algn="l" defTabSz="914400" rtl="0" eaLnBrk="1" latinLnBrk="0" hangingPunct="1">
+      <a:defRPr sz="1200" kern="1200">
+        <a:solidFill>
+          <a:schemeClr val="tx1"/>
+        </a:solidFill>
+        <a:latin typeface="+mn-lt"/>
+        <a:ea typeface="+mn-ea"/>
+        <a:cs typeface="+mn-cs"/>
+      </a:defRPr>
+    </a:lvl6pPr>
+    <a:lvl7pPr marL="2743200" algn="l" defTabSz="914400" rtl="0" eaLnBrk="1" latinLnBrk="0" hangingPunct="1">
+      <a:defRPr sz="1200" kern="1200">
+        <a:solidFill>
+          <a:schemeClr val="tx1"/>
+        </a:solidFill>
+        <a:latin typeface="+mn-lt"/>
+        <a:ea typeface="+mn-ea"/>
+        <a:cs typeface="+mn-cs"/>
+      </a:defRPr>
+    </a:lvl7pPr>
+    <a:lvl8pPr marL="3200400" algn="l" defTabSz="914400" rtl="0" eaLnBrk="1" latinLnBrk="0" hangingPunct="1">
+      <a:defRPr sz="1200" kern="1200">
+        <a:solidFill>
+          <a:schemeClr val="tx1"/>
+        </a:solidFill>
+        <a:latin typeface="+mn-lt"/>
+        <a:ea typeface="+mn-ea"/>
+        <a:cs typeface="+mn-cs"/>
+      </a:defRPr>
+    </a:lvl8pPr>
+    <a:lvl9pPr marL="3657600" algn="l" defTabSz="914400" rtl="0" eaLnBrk="1" latinLnBrk="0" hangingPunct="1">
+      <a:defRPr sz="1200" kern="1200">
+        <a:solidFill>
+          <a:schemeClr val="tx1"/>
+        </a:solidFill>
+        <a:latin typeface="+mn-lt"/>
+        <a:ea typeface="+mn-ea"/>
+        <a:cs typeface="+mn-cs"/>
+      </a:defRPr>
+    </a:lvl9pPr>
+  </p:notesStyle>
+</p:notesMaster>
+</file>
+
+<file path=ppt/notesSlides/notesSlide1.xml><?xml version="1.0" encoding="utf-8"?>
+<p:notes xmlns:a="http://schemas.openxmlformats.org/drawingml/2006/main" xmlns:r="http://schemas.openxmlformats.org/officeDocument/2006/relationships" xmlns:p="http://schemas.openxmlformats.org/presentationml/2006/main">
+  <p:cSld>
+    <p:spTree>
+      <p:nvGrpSpPr>
+        <p:cNvPr id="1" name=""/>
+        <p:cNvGrpSpPr/>
+        <p:nvPr/>
+      </p:nvGrpSpPr>
+      <p:grpSpPr>
+        <a:xfrm>
+          <a:off x="0" y="0"/>
+          <a:ext cx="0" cy="0"/>
+          <a:chOff x="0" y="0"/>
+          <a:chExt cx="0" cy="0"/>
+        </a:xfrm>
+      </p:grpSpPr>
+      <p:sp>
+        <p:nvSpPr>
+          <p:cNvPr id="2" name="幻灯片图像占位符 1"/>
+          <p:cNvSpPr>
+            <a:spLocks noGrp="1" noRot="1" noChangeAspect="1"/>
+          </p:cNvSpPr>
+          <p:nvPr>
+            <p:ph type="sldImg"/>
+          </p:nvPr>
+        </p:nvSpPr>
+        <p:spPr/>
+      </p:sp>
+      <p:sp>
+        <p:nvSpPr>
+          <p:cNvPr id="3" name="备注占位符 2"/>
+          <p:cNvSpPr>
+            <a:spLocks noGrp="1"/>
+          </p:cNvSpPr>
+          <p:nvPr>
+            <p:ph type="body" idx="1"/>
+          </p:nvPr>
+        </p:nvSpPr>
+        <p:spPr/>
+        <p:txBody>
+          <a:bodyPr/>
+          <a:lstStyle/>
+          <a:p>
+            <a:endParaRPr lang="zh-CN" altLang="en-US" dirty="0"/>
+          </a:p>
+        </p:txBody>
+      </p:sp>
+      <p:sp>
+        <p:nvSpPr>
+          <p:cNvPr id="4" name="灯片编号占位符 3"/>
+          <p:cNvSpPr>
+            <a:spLocks noGrp="1"/>
+          </p:cNvSpPr>
+          <p:nvPr>
+            <p:ph type="sldNum" sz="quarter" idx="10"/>
+          </p:nvPr>
+        </p:nvSpPr>
+        <p:spPr/>
+        <p:txBody>
+          <a:bodyPr/>
+          <a:lstStyle/>
+          <a:p>
+            <a:fld id="{A0BAAA1C-A33D-45D0-8446-D3DF09ABF039}" type="slidenum">
+              <a:rPr lang="zh-CN" altLang="en-US" smtClean="0"/>
+              <a:t>3</a:t>
+            </a:fld>
+            <a:endParaRPr lang="zh-CN" altLang="en-US"/>
+          </a:p>
+        </p:txBody>
+      </p:sp>
+    </p:spTree>
+    <p:extLst>
+      <p:ext uri="{BB962C8B-B14F-4D97-AF65-F5344CB8AC3E}">
+        <p14:creationId xmlns:p14="http://schemas.microsoft.com/office/powerpoint/2010/main" val="366798408"/>
+      </p:ext>
+    </p:extLst>
+  </p:cSld>
+  <p:clrMapOvr>
+    <a:masterClrMapping/>
+  </p:clrMapOvr>
+</p:notes>
+</file>
+
 <file path=ppt/slideLayouts/slideLayout1.xml><?xml version="1.0" encoding="utf-8"?>
 <p:sldLayout xmlns:a="http://schemas.openxmlformats.org/drawingml/2006/main" xmlns:r="http://schemas.openxmlformats.org/officeDocument/2006/relationships" xmlns:p="http://schemas.openxmlformats.org/presentationml/2006/main" type="title" preserve="1">
   <p:cSld name="标题幻灯片">
@@ -294,7 +731,7 @@
           <a:p>
             <a:fld id="{530820CF-B880-4189-942D-D702A7CBA730}" type="datetimeFigureOut">
               <a:rPr lang="zh-CN" altLang="en-US" smtClean="0"/>
-              <a:t>2014/2/18</a:t>
+              <a:t>2014/2/21</a:t>
             </a:fld>
             <a:endParaRPr lang="zh-CN" altLang="en-US"/>
           </a:p>
@@ -459,7 +896,7 @@
           <a:p>
             <a:fld id="{530820CF-B880-4189-942D-D702A7CBA730}" type="datetimeFigureOut">
               <a:rPr lang="zh-CN" altLang="en-US" smtClean="0"/>
-              <a:t>2014/2/18</a:t>
+              <a:t>2014/2/21</a:t>
             </a:fld>
             <a:endParaRPr lang="zh-CN" altLang="en-US"/>
           </a:p>
@@ -634,7 +1071,7 @@
           <a:p>
             <a:fld id="{530820CF-B880-4189-942D-D702A7CBA730}" type="datetimeFigureOut">
               <a:rPr lang="zh-CN" altLang="en-US" smtClean="0"/>
-              <a:t>2014/2/18</a:t>
+              <a:t>2014/2/21</a:t>
             </a:fld>
             <a:endParaRPr lang="zh-CN" altLang="en-US"/>
           </a:p>
@@ -799,7 +1236,7 @@
           <a:p>
             <a:fld id="{530820CF-B880-4189-942D-D702A7CBA730}" type="datetimeFigureOut">
               <a:rPr lang="zh-CN" altLang="en-US" smtClean="0"/>
-              <a:t>2014/2/18</a:t>
+              <a:t>2014/2/21</a:t>
             </a:fld>
             <a:endParaRPr lang="zh-CN" altLang="en-US"/>
           </a:p>
@@ -1040,7 +1477,7 @@
           <a:p>
             <a:fld id="{530820CF-B880-4189-942D-D702A7CBA730}" type="datetimeFigureOut">
               <a:rPr lang="zh-CN" altLang="en-US" smtClean="0"/>
-              <a:t>2014/2/18</a:t>
+              <a:t>2014/2/21</a:t>
             </a:fld>
             <a:endParaRPr lang="zh-CN" altLang="en-US"/>
           </a:p>
@@ -1323,7 +1760,7 @@
           <a:p>
             <a:fld id="{530820CF-B880-4189-942D-D702A7CBA730}" type="datetimeFigureOut">
               <a:rPr lang="zh-CN" altLang="en-US" smtClean="0"/>
-              <a:t>2014/2/18</a:t>
+              <a:t>2014/2/21</a:t>
             </a:fld>
             <a:endParaRPr lang="zh-CN" altLang="en-US"/>
           </a:p>
@@ -1740,7 +2177,7 @@
           <a:p>
             <a:fld id="{530820CF-B880-4189-942D-D702A7CBA730}" type="datetimeFigureOut">
               <a:rPr lang="zh-CN" altLang="en-US" smtClean="0"/>
-              <a:t>2014/2/18</a:t>
+              <a:t>2014/2/21</a:t>
             </a:fld>
             <a:endParaRPr lang="zh-CN" altLang="en-US"/>
           </a:p>
@@ -1853,7 +2290,7 @@
           <a:p>
             <a:fld id="{530820CF-B880-4189-942D-D702A7CBA730}" type="datetimeFigureOut">
               <a:rPr lang="zh-CN" altLang="en-US" smtClean="0"/>
-              <a:t>2014/2/18</a:t>
+              <a:t>2014/2/21</a:t>
             </a:fld>
             <a:endParaRPr lang="zh-CN" altLang="en-US"/>
           </a:p>
@@ -1943,7 +2380,7 @@
           <a:p>
             <a:fld id="{530820CF-B880-4189-942D-D702A7CBA730}" type="datetimeFigureOut">
               <a:rPr lang="zh-CN" altLang="en-US" smtClean="0"/>
-              <a:t>2014/2/18</a:t>
+              <a:t>2014/2/21</a:t>
             </a:fld>
             <a:endParaRPr lang="zh-CN" altLang="en-US"/>
           </a:p>
@@ -2215,7 +2652,7 @@
           <a:p>
             <a:fld id="{530820CF-B880-4189-942D-D702A7CBA730}" type="datetimeFigureOut">
               <a:rPr lang="zh-CN" altLang="en-US" smtClean="0"/>
-              <a:t>2014/2/18</a:t>
+              <a:t>2014/2/21</a:t>
             </a:fld>
             <a:endParaRPr lang="zh-CN" altLang="en-US"/>
           </a:p>
@@ -2463,7 +2900,7 @@
           <a:p>
             <a:fld id="{530820CF-B880-4189-942D-D702A7CBA730}" type="datetimeFigureOut">
               <a:rPr lang="zh-CN" altLang="en-US" smtClean="0"/>
-              <a:t>2014/2/18</a:t>
+              <a:t>2014/2/21</a:t>
             </a:fld>
             <a:endParaRPr lang="zh-CN" altLang="en-US"/>
           </a:p>
@@ -2671,7 +3108,7 @@
           <a:p>
             <a:fld id="{530820CF-B880-4189-942D-D702A7CBA730}" type="datetimeFigureOut">
               <a:rPr lang="zh-CN" altLang="en-US" smtClean="0"/>
-              <a:t>2014/2/18</a:t>
+              <a:t>2014/2/21</a:t>
             </a:fld>
             <a:endParaRPr lang="zh-CN" altLang="en-US"/>
           </a:p>
@@ -3228,14 +3665,14 @@
       </p:grpSpPr>
       <p:sp>
         <p:nvSpPr>
-          <p:cNvPr id="77" name="圆角矩形 76"/>
+          <p:cNvPr id="72" name="圆角矩形 71"/>
           <p:cNvSpPr/>
           <p:nvPr/>
         </p:nvSpPr>
         <p:spPr>
           <a:xfrm>
-            <a:off x="2883648" y="774040"/>
-            <a:ext cx="2808313" cy="6039336"/>
+            <a:off x="4647458" y="794078"/>
+            <a:ext cx="1313637" cy="6039336"/>
           </a:xfrm>
           <a:prstGeom prst="roundRect">
             <a:avLst>
@@ -3268,6 +3705,46 @@
       </p:sp>
       <p:sp>
         <p:nvSpPr>
+          <p:cNvPr id="77" name="圆角矩形 76"/>
+          <p:cNvSpPr/>
+          <p:nvPr/>
+        </p:nvSpPr>
+        <p:spPr>
+          <a:xfrm>
+            <a:off x="2883648" y="774040"/>
+            <a:ext cx="1313637" cy="6039336"/>
+          </a:xfrm>
+          <a:prstGeom prst="roundRect">
+            <a:avLst>
+              <a:gd name="adj" fmla="val 13059"/>
+            </a:avLst>
+          </a:prstGeom>
+        </p:spPr>
+        <p:style>
+          <a:lnRef idx="1">
+            <a:schemeClr val="accent4"/>
+          </a:lnRef>
+          <a:fillRef idx="2">
+            <a:schemeClr val="accent4"/>
+          </a:fillRef>
+          <a:effectRef idx="1">
+            <a:schemeClr val="accent4"/>
+          </a:effectRef>
+          <a:fontRef idx="minor">
+            <a:schemeClr val="dk1"/>
+          </a:fontRef>
+        </p:style>
+        <p:txBody>
+          <a:bodyPr rtlCol="0" anchor="ctr"/>
+          <a:lstStyle/>
+          <a:p>
+            <a:pPr algn="ctr"/>
+            <a:endParaRPr lang="zh-CN" altLang="en-US"/>
+          </a:p>
+        </p:txBody>
+      </p:sp>
+      <p:sp>
+        <p:nvSpPr>
           <p:cNvPr id="2" name="标题 1"/>
           <p:cNvSpPr>
             <a:spLocks noGrp="1"/>
@@ -3305,7 +3782,7 @@
         </p:nvCxnSpPr>
         <p:spPr>
           <a:xfrm>
-            <a:off x="4090843" y="803055"/>
+            <a:off x="3476928" y="875063"/>
             <a:ext cx="0" cy="5938313"/>
           </a:xfrm>
           <a:prstGeom prst="line">
@@ -3365,7 +3842,7 @@
         </p:nvSpPr>
         <p:spPr>
           <a:xfrm>
-            <a:off x="3654295" y="538544"/>
+            <a:off x="3949515" y="538544"/>
             <a:ext cx="1085980" cy="246221"/>
           </a:xfrm>
           <a:prstGeom prst="rect">
@@ -3392,14 +3869,14 @@
       </p:sp>
       <p:cxnSp>
         <p:nvCxnSpPr>
-          <p:cNvPr id="16" name="直接箭头连接符 15"/>
+          <p:cNvPr id="18" name="直接箭头连接符 17"/>
           <p:cNvCxnSpPr/>
           <p:nvPr/>
         </p:nvCxnSpPr>
         <p:spPr>
-          <a:xfrm>
-            <a:off x="4129665" y="1195415"/>
-            <a:ext cx="1274263" cy="194545"/>
+          <a:xfrm flipH="1">
+            <a:off x="3476928" y="1772808"/>
+            <a:ext cx="1927000" cy="232538"/>
           </a:xfrm>
           <a:prstGeom prst="straightConnector1">
             <a:avLst/>
@@ -3409,53 +3886,20 @@
           </a:ln>
         </p:spPr>
         <p:style>
-          <a:lnRef idx="1">
-            <a:schemeClr val="accent4"/>
+          <a:lnRef idx="2">
+            <a:schemeClr val="accent3"/>
           </a:lnRef>
-          <a:fillRef idx="2">
-            <a:schemeClr val="accent4"/>
+          <a:fillRef idx="0">
+            <a:schemeClr val="accent3"/>
           </a:fillRef>
           <a:effectRef idx="1">
-            <a:schemeClr val="accent4"/>
+            <a:schemeClr val="accent3"/>
           </a:effectRef>
           <a:fontRef idx="minor">
-            <a:schemeClr val="dk1"/>
+            <a:schemeClr val="tx1"/>
           </a:fontRef>
         </p:style>
       </p:cxnSp>
-      <p:cxnSp>
-        <p:nvCxnSpPr>
-          <p:cNvPr id="18" name="直接箭头连接符 17"/>
-          <p:cNvCxnSpPr/>
-          <p:nvPr/>
-        </p:nvCxnSpPr>
-        <p:spPr>
-          <a:xfrm flipH="1">
-            <a:off x="4092082" y="1784644"/>
-            <a:ext cx="1302590" cy="238108"/>
-          </a:xfrm>
-          <a:prstGeom prst="straightConnector1">
-            <a:avLst/>
-          </a:prstGeom>
-          <a:ln>
-            <a:tailEnd type="arrow"/>
-          </a:ln>
-        </p:spPr>
-        <p:style>
-          <a:lnRef idx="1">
-            <a:schemeClr val="accent4"/>
-          </a:lnRef>
-          <a:fillRef idx="2">
-            <a:schemeClr val="accent4"/>
-          </a:fillRef>
-          <a:effectRef idx="1">
-            <a:schemeClr val="accent4"/>
-          </a:effectRef>
-          <a:fontRef idx="minor">
-            <a:schemeClr val="dk1"/>
-          </a:fontRef>
-        </p:style>
-      </p:cxnSp>
       <p:sp>
         <p:nvSpPr>
           <p:cNvPr id="19" name="TextBox 18"/>
@@ -3464,7 +3908,7 @@
         </p:nvSpPr>
         <p:spPr>
           <a:xfrm rot="21185499">
-            <a:off x="4607535" y="1554336"/>
+            <a:off x="4275205" y="1710655"/>
             <a:ext cx="320590" cy="246221"/>
           </a:xfrm>
           <a:prstGeom prst="rect">
@@ -3494,7 +3938,7 @@
         </p:nvSpPr>
         <p:spPr>
           <a:xfrm rot="312197">
-            <a:off x="4616114" y="1130065"/>
+            <a:off x="4274514" y="1086392"/>
             <a:ext cx="320590" cy="246221"/>
           </a:xfrm>
           <a:prstGeom prst="rect">
@@ -3523,7 +3967,7 @@
         </p:nvSpPr>
         <p:spPr>
           <a:xfrm>
-            <a:off x="4616114" y="2248933"/>
+            <a:off x="4274515" y="2451862"/>
             <a:ext cx="320590" cy="246221"/>
           </a:xfrm>
           <a:prstGeom prst="rect">
@@ -3552,7 +3996,7 @@
         </p:nvSpPr>
         <p:spPr>
           <a:xfrm>
-            <a:off x="4616114" y="2654892"/>
+            <a:off x="4274515" y="2735763"/>
             <a:ext cx="320590" cy="246221"/>
           </a:xfrm>
           <a:prstGeom prst="rect">
@@ -3581,7 +4025,7 @@
         </p:nvSpPr>
         <p:spPr>
           <a:xfrm>
-            <a:off x="4595658" y="2942162"/>
+            <a:off x="4271785" y="3082581"/>
             <a:ext cx="320590" cy="246221"/>
           </a:xfrm>
           <a:prstGeom prst="rect">
@@ -3611,7 +4055,7 @@
         </p:nvSpPr>
         <p:spPr>
           <a:xfrm rot="312197">
-            <a:off x="4572002" y="3400059"/>
+            <a:off x="4276054" y="3446829"/>
             <a:ext cx="320590" cy="246221"/>
           </a:xfrm>
           <a:prstGeom prst="rect">
@@ -3640,7 +4084,7 @@
         </p:nvSpPr>
         <p:spPr>
           <a:xfrm rot="312197">
-            <a:off x="4616115" y="3757753"/>
+            <a:off x="4274515" y="3721108"/>
             <a:ext cx="320590" cy="246221"/>
           </a:xfrm>
           <a:prstGeom prst="rect">
@@ -3661,39 +4105,6 @@
           </a:p>
         </p:txBody>
       </p:sp>
-      <p:cxnSp>
-        <p:nvCxnSpPr>
-          <p:cNvPr id="54" name="直接连接符 53"/>
-          <p:cNvCxnSpPr/>
-          <p:nvPr/>
-        </p:nvCxnSpPr>
-        <p:spPr>
-          <a:xfrm flipH="1">
-            <a:off x="3971977" y="4184073"/>
-            <a:ext cx="1440161" cy="0"/>
-          </a:xfrm>
-          <a:prstGeom prst="line">
-            <a:avLst/>
-          </a:prstGeom>
-          <a:ln>
-            <a:prstDash val="dash"/>
-          </a:ln>
-        </p:spPr>
-        <p:style>
-          <a:lnRef idx="1">
-            <a:schemeClr val="accent4"/>
-          </a:lnRef>
-          <a:fillRef idx="2">
-            <a:schemeClr val="accent4"/>
-          </a:fillRef>
-          <a:effectRef idx="1">
-            <a:schemeClr val="accent4"/>
-          </a:effectRef>
-          <a:fontRef idx="minor">
-            <a:schemeClr val="dk1"/>
-          </a:fontRef>
-        </p:style>
-      </p:cxnSp>
       <p:sp>
         <p:nvSpPr>
           <p:cNvPr id="99" name="圆角矩形 98"/>
@@ -3740,7 +4151,7 @@
         </p:nvSpPr>
         <p:spPr>
           <a:xfrm>
-            <a:off x="380213" y="1099020"/>
+            <a:off x="366352" y="1099020"/>
             <a:ext cx="864096" cy="202455"/>
           </a:xfrm>
           <a:prstGeom prst="rect">
@@ -3788,7 +4199,7 @@
         </p:nvSpPr>
         <p:spPr>
           <a:xfrm>
-            <a:off x="380213" y="1384566"/>
+            <a:off x="366352" y="1384566"/>
             <a:ext cx="864096" cy="202455"/>
           </a:xfrm>
           <a:prstGeom prst="rect">
@@ -3836,7 +4247,7 @@
         </p:nvSpPr>
         <p:spPr>
           <a:xfrm>
-            <a:off x="352493" y="2118196"/>
+            <a:off x="366352" y="2118196"/>
             <a:ext cx="864096" cy="202455"/>
           </a:xfrm>
           <a:prstGeom prst="rect">
@@ -3884,7 +4295,7 @@
         </p:nvSpPr>
         <p:spPr>
           <a:xfrm>
-            <a:off x="352492" y="2422299"/>
+            <a:off x="366352" y="2422299"/>
             <a:ext cx="864096" cy="202455"/>
           </a:xfrm>
           <a:prstGeom prst="rect">
@@ -3918,11 +4329,7 @@
             </a:r>
             <a:r>
               <a:rPr lang="en-US" altLang="zh-CN" sz="1100" dirty="0" smtClean="0"/>
-              <a:t> </a:t>
-            </a:r>
-            <a:r>
-              <a:rPr lang="en-US" altLang="zh-CN" sz="1100" dirty="0" smtClean="0"/>
-              <a:t>CF</a:t>
+              <a:t> CF</a:t>
             </a:r>
             <a:endParaRPr lang="zh-CN" altLang="en-US" sz="1100" dirty="0"/>
           </a:p>
@@ -3936,7 +4343,7 @@
         </p:nvSpPr>
         <p:spPr>
           <a:xfrm>
-            <a:off x="352492" y="3049128"/>
+            <a:off x="366352" y="3049128"/>
             <a:ext cx="864096" cy="202455"/>
           </a:xfrm>
           <a:prstGeom prst="rect">
@@ -4018,7 +4425,7 @@
         <p:spPr>
           <a:xfrm>
             <a:off x="1511709" y="774040"/>
-            <a:ext cx="1225848" cy="3240360"/>
+            <a:ext cx="1225848" cy="2886270"/>
           </a:xfrm>
           <a:prstGeom prst="roundRect">
             <a:avLst/>
@@ -4055,7 +4462,7 @@
         </p:nvSpPr>
         <p:spPr>
           <a:xfrm>
-            <a:off x="1690330" y="1085782"/>
+            <a:off x="1692896" y="1085782"/>
             <a:ext cx="792088" cy="219935"/>
           </a:xfrm>
           <a:prstGeom prst="roundRect">
@@ -4103,7 +4510,7 @@
         </p:nvSpPr>
         <p:spPr>
           <a:xfrm>
-            <a:off x="1695463" y="1381347"/>
+            <a:off x="1692896" y="1381347"/>
             <a:ext cx="792088" cy="202197"/>
           </a:xfrm>
           <a:prstGeom prst="roundRect">
@@ -4146,7 +4553,7 @@
         </p:nvSpPr>
         <p:spPr>
           <a:xfrm>
-            <a:off x="1690329" y="2422299"/>
+            <a:off x="1692896" y="2422299"/>
             <a:ext cx="792088" cy="209085"/>
           </a:xfrm>
           <a:prstGeom prst="roundRect">
@@ -4194,7 +4601,7 @@
         </p:nvSpPr>
         <p:spPr>
           <a:xfrm>
-            <a:off x="1690329" y="2919742"/>
+            <a:off x="1692896" y="2919742"/>
             <a:ext cx="792088" cy="458286"/>
           </a:xfrm>
           <a:prstGeom prst="roundRect">
@@ -4318,8 +4725,8 @@
         </p:nvCxnSpPr>
         <p:spPr>
           <a:xfrm>
-            <a:off x="4122417" y="2526842"/>
-            <a:ext cx="1272255" cy="250964"/>
+            <a:off x="3478026" y="2531422"/>
+            <a:ext cx="1916646" cy="246384"/>
           </a:xfrm>
           <a:prstGeom prst="straightConnector1">
             <a:avLst/>
@@ -4329,17 +4736,17 @@
           </a:ln>
         </p:spPr>
         <p:style>
-          <a:lnRef idx="1">
-            <a:schemeClr val="accent4"/>
+          <a:lnRef idx="2">
+            <a:schemeClr val="accent3"/>
           </a:lnRef>
-          <a:fillRef idx="2">
-            <a:schemeClr val="accent4"/>
+          <a:fillRef idx="0">
+            <a:schemeClr val="accent3"/>
           </a:fillRef>
           <a:effectRef idx="1">
-            <a:schemeClr val="accent4"/>
+            <a:schemeClr val="accent3"/>
           </a:effectRef>
           <a:fontRef idx="minor">
-            <a:schemeClr val="dk1"/>
+            <a:schemeClr val="tx1"/>
           </a:fontRef>
         </p:style>
       </p:cxnSp>
@@ -4351,8 +4758,8 @@
         </p:nvCxnSpPr>
         <p:spPr>
           <a:xfrm>
-            <a:off x="4126854" y="2867913"/>
-            <a:ext cx="1260378" cy="228142"/>
+            <a:off x="3476928" y="2778002"/>
+            <a:ext cx="1910304" cy="318053"/>
           </a:xfrm>
           <a:prstGeom prst="straightConnector1">
             <a:avLst/>
@@ -4362,17 +4769,17 @@
           </a:ln>
         </p:spPr>
         <p:style>
-          <a:lnRef idx="1">
-            <a:schemeClr val="accent4"/>
+          <a:lnRef idx="2">
+            <a:schemeClr val="accent3"/>
           </a:lnRef>
-          <a:fillRef idx="2">
-            <a:schemeClr val="accent4"/>
+          <a:fillRef idx="0">
+            <a:schemeClr val="accent3"/>
           </a:fillRef>
           <a:effectRef idx="1">
-            <a:schemeClr val="accent4"/>
+            <a:schemeClr val="accent3"/>
           </a:effectRef>
           <a:fontRef idx="minor">
-            <a:schemeClr val="dk1"/>
+            <a:schemeClr val="tx1"/>
           </a:fontRef>
         </p:style>
       </p:cxnSp>
@@ -4384,8 +4791,8 @@
         </p:nvCxnSpPr>
         <p:spPr>
           <a:xfrm flipH="1">
-            <a:off x="4080363" y="3246028"/>
-            <a:ext cx="1306869" cy="104544"/>
+            <a:off x="3476928" y="3246028"/>
+            <a:ext cx="1910305" cy="104544"/>
           </a:xfrm>
           <a:prstGeom prst="straightConnector1">
             <a:avLst/>
@@ -4395,17 +4802,17 @@
           </a:ln>
         </p:spPr>
         <p:style>
-          <a:lnRef idx="1">
-            <a:schemeClr val="accent4"/>
+          <a:lnRef idx="2">
+            <a:schemeClr val="accent3"/>
           </a:lnRef>
-          <a:fillRef idx="2">
-            <a:schemeClr val="accent4"/>
+          <a:fillRef idx="0">
+            <a:schemeClr val="accent3"/>
           </a:fillRef>
           <a:effectRef idx="1">
-            <a:schemeClr val="accent4"/>
+            <a:schemeClr val="accent3"/>
           </a:effectRef>
           <a:fontRef idx="minor">
-            <a:schemeClr val="dk1"/>
+            <a:schemeClr val="tx1"/>
           </a:fontRef>
         </p:style>
       </p:cxnSp>
@@ -4417,8 +4824,8 @@
         </p:nvCxnSpPr>
         <p:spPr>
           <a:xfrm>
-            <a:off x="4105776" y="3523170"/>
-            <a:ext cx="1268998" cy="210606"/>
+            <a:off x="3478027" y="3523169"/>
+            <a:ext cx="1896747" cy="210607"/>
           </a:xfrm>
           <a:prstGeom prst="straightConnector1">
             <a:avLst/>
@@ -4428,17 +4835,17 @@
           </a:ln>
         </p:spPr>
         <p:style>
-          <a:lnRef idx="1">
-            <a:schemeClr val="accent4"/>
+          <a:lnRef idx="2">
+            <a:schemeClr val="accent3"/>
           </a:lnRef>
-          <a:fillRef idx="2">
-            <a:schemeClr val="accent4"/>
+          <a:fillRef idx="0">
+            <a:schemeClr val="accent3"/>
           </a:fillRef>
           <a:effectRef idx="1">
-            <a:schemeClr val="accent4"/>
+            <a:schemeClr val="accent3"/>
           </a:effectRef>
           <a:fontRef idx="minor">
-            <a:schemeClr val="dk1"/>
+            <a:schemeClr val="tx1"/>
           </a:fontRef>
         </p:style>
       </p:cxnSp>
@@ -4450,8 +4857,8 @@
         </p:nvCxnSpPr>
         <p:spPr>
           <a:xfrm>
-            <a:off x="4084103" y="3800781"/>
-            <a:ext cx="1308869" cy="217223"/>
+            <a:off x="3478027" y="3793708"/>
+            <a:ext cx="1914945" cy="224296"/>
           </a:xfrm>
           <a:prstGeom prst="straightConnector1">
             <a:avLst/>
@@ -4461,17 +4868,17 @@
           </a:ln>
         </p:spPr>
         <p:style>
-          <a:lnRef idx="1">
-            <a:schemeClr val="accent4"/>
+          <a:lnRef idx="2">
+            <a:schemeClr val="accent3"/>
           </a:lnRef>
-          <a:fillRef idx="2">
-            <a:schemeClr val="accent4"/>
+          <a:fillRef idx="0">
+            <a:schemeClr val="accent3"/>
           </a:fillRef>
           <a:effectRef idx="1">
-            <a:schemeClr val="accent4"/>
+            <a:schemeClr val="accent3"/>
           </a:effectRef>
           <a:fontRef idx="minor">
-            <a:schemeClr val="dk1"/>
+            <a:schemeClr val="tx1"/>
           </a:fontRef>
         </p:style>
       </p:cxnSp>
@@ -4483,7 +4890,7 @@
         </p:nvSpPr>
         <p:spPr>
           <a:xfrm>
-            <a:off x="3045124" y="1081540"/>
+            <a:off x="3002693" y="879085"/>
             <a:ext cx="950667" cy="219935"/>
           </a:xfrm>
           <a:prstGeom prst="roundRect">
@@ -4527,106 +4934,6 @@
           </a:p>
         </p:txBody>
       </p:sp>
-      <p:sp>
-        <p:nvSpPr>
-          <p:cNvPr id="147" name="圆角矩形 146"/>
-          <p:cNvSpPr/>
-          <p:nvPr/>
-        </p:nvSpPr>
-        <p:spPr>
-          <a:xfrm>
-            <a:off x="3002692" y="4074106"/>
-            <a:ext cx="950667" cy="219935"/>
-          </a:xfrm>
-          <a:prstGeom prst="roundRect">
-            <a:avLst/>
-          </a:prstGeom>
-        </p:spPr>
-        <p:style>
-          <a:lnRef idx="2">
-            <a:schemeClr val="accent4">
-              <a:shade val="50000"/>
-            </a:schemeClr>
-          </a:lnRef>
-          <a:fillRef idx="1">
-            <a:schemeClr val="accent4"/>
-          </a:fillRef>
-          <a:effectRef idx="0">
-            <a:schemeClr val="accent4"/>
-          </a:effectRef>
-          <a:fontRef idx="minor">
-            <a:schemeClr val="lt1"/>
-          </a:fontRef>
-        </p:style>
-        <p:txBody>
-          <a:bodyPr rtlCol="0" anchor="ctr"/>
-          <a:lstStyle/>
-          <a:p>
-            <a:pPr algn="ctr"/>
-            <a:r>
-              <a:rPr lang="en-US" altLang="zh-CN" sz="1000" dirty="0" err="1" smtClean="0"/>
-              <a:t>N_USData</a:t>
-            </a:r>
-            <a:r>
-              <a:rPr lang="en-US" altLang="zh-CN" sz="1000" dirty="0" smtClean="0"/>
-              <a:t> con</a:t>
-            </a:r>
-            <a:endParaRPr lang="en-US" altLang="zh-CN" sz="1000" dirty="0" smtClean="0"/>
-          </a:p>
-        </p:txBody>
-      </p:sp>
-      <p:sp>
-        <p:nvSpPr>
-          <p:cNvPr id="150" name="圆角矩形 149"/>
-          <p:cNvSpPr/>
-          <p:nvPr/>
-        </p:nvSpPr>
-        <p:spPr>
-          <a:xfrm>
-            <a:off x="3002693" y="4653136"/>
-            <a:ext cx="950667" cy="302156"/>
-          </a:xfrm>
-          <a:prstGeom prst="roundRect">
-            <a:avLst/>
-          </a:prstGeom>
-        </p:spPr>
-        <p:style>
-          <a:lnRef idx="2">
-            <a:schemeClr val="accent4">
-              <a:shade val="50000"/>
-            </a:schemeClr>
-          </a:lnRef>
-          <a:fillRef idx="1">
-            <a:schemeClr val="accent4"/>
-          </a:fillRef>
-          <a:effectRef idx="0">
-            <a:schemeClr val="accent4"/>
-          </a:effectRef>
-          <a:fontRef idx="minor">
-            <a:schemeClr val="lt1"/>
-          </a:fontRef>
-        </p:style>
-        <p:txBody>
-          <a:bodyPr rtlCol="0" anchor="ctr"/>
-          <a:lstStyle/>
-          <a:p>
-            <a:pPr algn="ctr"/>
-            <a:r>
-              <a:rPr lang="en-US" altLang="zh-CN" sz="1000" dirty="0" err="1" smtClean="0"/>
-              <a:t>N_USDataFF</a:t>
-            </a:r>
-            <a:r>
-              <a:rPr lang="en-US" altLang="zh-CN" sz="1000" dirty="0" smtClean="0"/>
-              <a:t> </a:t>
-            </a:r>
-            <a:r>
-              <a:rPr lang="en-US" altLang="zh-CN" sz="1000" dirty="0" err="1" smtClean="0"/>
-              <a:t>ind</a:t>
-            </a:r>
-            <a:endParaRPr lang="en-US" altLang="zh-CN" sz="1000" dirty="0" smtClean="0"/>
-          </a:p>
-        </p:txBody>
-      </p:sp>
       <p:cxnSp>
         <p:nvCxnSpPr>
           <p:cNvPr id="86" name="直接箭头连接符 85"/>
@@ -4638,8 +4945,8 @@
         </p:nvCxnSpPr>
         <p:spPr>
           <a:xfrm flipV="1">
-            <a:off x="2482418" y="1191508"/>
-            <a:ext cx="562706" cy="4242"/>
+            <a:off x="2484984" y="989053"/>
+            <a:ext cx="517709" cy="206697"/>
           </a:xfrm>
           <a:prstGeom prst="straightConnector1">
             <a:avLst/>
@@ -4675,8 +4982,8 @@
         </p:nvCxnSpPr>
         <p:spPr>
           <a:xfrm flipV="1">
-            <a:off x="1244309" y="1482446"/>
-            <a:ext cx="451154" cy="3348"/>
+            <a:off x="1230448" y="1482446"/>
+            <a:ext cx="462448" cy="3348"/>
           </a:xfrm>
           <a:prstGeom prst="straightConnector1">
             <a:avLst/>
@@ -4744,8 +5051,8 @@
         </p:nvCxnSpPr>
         <p:spPr>
           <a:xfrm rot="10800000" flipV="1">
-            <a:off x="784541" y="2022752"/>
-            <a:ext cx="3315088" cy="95443"/>
+            <a:off x="798400" y="2005346"/>
+            <a:ext cx="4596274" cy="112850"/>
           </a:xfrm>
           <a:prstGeom prst="bentConnector2">
             <a:avLst/>
@@ -4779,9 +5086,9 @@
           <p:nvPr/>
         </p:nvCxnSpPr>
         <p:spPr>
-          <a:xfrm flipV="1">
-            <a:off x="1216589" y="2219423"/>
-            <a:ext cx="473740" cy="1"/>
+          <a:xfrm>
+            <a:off x="1230448" y="2219424"/>
+            <a:ext cx="459881" cy="0"/>
           </a:xfrm>
           <a:prstGeom prst="straightConnector1">
             <a:avLst/>
@@ -4817,7 +5124,7 @@
         <p:spPr>
           <a:xfrm>
             <a:off x="2086373" y="2253573"/>
-            <a:ext cx="0" cy="168726"/>
+            <a:ext cx="2567" cy="168726"/>
           </a:xfrm>
           <a:prstGeom prst="straightConnector1">
             <a:avLst/>
@@ -4887,8 +5194,8 @@
         </p:nvCxnSpPr>
         <p:spPr>
           <a:xfrm flipH="1">
-            <a:off x="1244309" y="1195750"/>
-            <a:ext cx="446021" cy="4498"/>
+            <a:off x="1230448" y="1195750"/>
+            <a:ext cx="462448" cy="4498"/>
           </a:xfrm>
           <a:prstGeom prst="straightConnector1">
             <a:avLst/>
@@ -4915,16 +5222,13 @@
       <p:cxnSp>
         <p:nvCxnSpPr>
           <p:cNvPr id="184" name="直接箭头连接符 183"/>
-          <p:cNvCxnSpPr>
-            <a:stCxn id="131" idx="2"/>
-            <a:endCxn id="134" idx="0"/>
-          </p:cNvCxnSpPr>
+          <p:cNvCxnSpPr/>
           <p:nvPr/>
         </p:nvCxnSpPr>
         <p:spPr>
           <a:xfrm flipH="1">
-            <a:off x="2086373" y="1583544"/>
-            <a:ext cx="5134" cy="268893"/>
+            <a:off x="2087657" y="1583544"/>
+            <a:ext cx="2567" cy="268893"/>
           </a:xfrm>
           <a:prstGeom prst="straightConnector1">
             <a:avLst/>
@@ -4948,58 +5252,6 @@
           </a:fontRef>
         </p:style>
       </p:cxnSp>
-      <p:sp>
-        <p:nvSpPr>
-          <p:cNvPr id="189" name="圆角矩形 188"/>
-          <p:cNvSpPr/>
-          <p:nvPr/>
-        </p:nvSpPr>
-        <p:spPr>
-          <a:xfrm>
-            <a:off x="3002693" y="6381328"/>
-            <a:ext cx="950667" cy="302156"/>
-          </a:xfrm>
-          <a:prstGeom prst="roundRect">
-            <a:avLst/>
-          </a:prstGeom>
-        </p:spPr>
-        <p:style>
-          <a:lnRef idx="2">
-            <a:schemeClr val="accent4">
-              <a:shade val="50000"/>
-            </a:schemeClr>
-          </a:lnRef>
-          <a:fillRef idx="1">
-            <a:schemeClr val="accent4"/>
-          </a:fillRef>
-          <a:effectRef idx="0">
-            <a:schemeClr val="accent4"/>
-          </a:effectRef>
-          <a:fontRef idx="minor">
-            <a:schemeClr val="lt1"/>
-          </a:fontRef>
-        </p:style>
-        <p:txBody>
-          <a:bodyPr rtlCol="0" anchor="ctr"/>
-          <a:lstStyle/>
-          <a:p>
-            <a:pPr algn="ctr"/>
-            <a:r>
-              <a:rPr lang="en-US" altLang="zh-CN" sz="1000" dirty="0" err="1" smtClean="0"/>
-              <a:t>N_USData</a:t>
-            </a:r>
-            <a:r>
-              <a:rPr lang="en-US" altLang="zh-CN" sz="1000" dirty="0" smtClean="0"/>
-              <a:t> </a:t>
-            </a:r>
-            <a:r>
-              <a:rPr lang="en-US" altLang="zh-CN" sz="1000" dirty="0" err="1" smtClean="0"/>
-              <a:t>ind</a:t>
-            </a:r>
-            <a:endParaRPr lang="en-US" altLang="zh-CN" sz="1000" dirty="0" smtClean="0"/>
-          </a:p>
-        </p:txBody>
-      </p:sp>
       <p:cxnSp>
         <p:nvCxnSpPr>
           <p:cNvPr id="196" name="肘形连接符 195"/>
@@ -5010,8 +5262,8 @@
         </p:nvCxnSpPr>
         <p:spPr>
           <a:xfrm rot="10800000" flipV="1">
-            <a:off x="784540" y="2778002"/>
-            <a:ext cx="4574972" cy="271126"/>
+            <a:off x="798400" y="2778002"/>
+            <a:ext cx="4561112" cy="271126"/>
           </a:xfrm>
           <a:prstGeom prst="bentConnector2">
             <a:avLst/>
@@ -5045,9 +5297,9 @@
           <p:nvPr/>
         </p:nvCxnSpPr>
         <p:spPr>
-          <a:xfrm flipV="1">
-            <a:off x="1216588" y="3150355"/>
-            <a:ext cx="446020" cy="1"/>
+          <a:xfrm>
+            <a:off x="1230448" y="3150356"/>
+            <a:ext cx="432160" cy="0"/>
           </a:xfrm>
           <a:prstGeom prst="straightConnector1">
             <a:avLst/>
@@ -5079,7 +5331,7 @@
         </p:nvCxnSpPr>
         <p:spPr>
           <a:xfrm>
-            <a:off x="4766797" y="774040"/>
+            <a:off x="4426400" y="808955"/>
             <a:ext cx="0" cy="6039336"/>
           </a:xfrm>
           <a:prstGeom prst="line">
@@ -5118,7 +5370,7 @@
         <p:spPr>
           <a:xfrm>
             <a:off x="6055279" y="803055"/>
-            <a:ext cx="1225848" cy="3240360"/>
+            <a:ext cx="1225848" cy="2720114"/>
           </a:xfrm>
           <a:prstGeom prst="roundRect">
             <a:avLst/>
@@ -5155,8 +5407,8 @@
         </p:nvSpPr>
         <p:spPr>
           <a:xfrm>
-            <a:off x="6272159" y="1428655"/>
-            <a:ext cx="792088" cy="219935"/>
+            <a:off x="6272159" y="1428656"/>
+            <a:ext cx="792088" cy="158366"/>
           </a:xfrm>
           <a:prstGeom prst="roundRect">
             <a:avLst/>
@@ -5203,8 +5455,8 @@
         </p:nvSpPr>
         <p:spPr>
           <a:xfrm>
-            <a:off x="6272159" y="1751338"/>
-            <a:ext cx="792088" cy="202197"/>
+            <a:off x="6272159" y="1698602"/>
+            <a:ext cx="792088" cy="168877"/>
           </a:xfrm>
           <a:prstGeom prst="roundRect">
             <a:avLst/>
@@ -5233,7 +5485,7 @@
             <a:pPr algn="ctr"/>
             <a:r>
               <a:rPr lang="en-US" altLang="zh-CN" sz="1200" dirty="0" smtClean="0"/>
-              <a:t>FF </a:t>
+              <a:t>FC </a:t>
             </a:r>
             <a:r>
               <a:rPr lang="en-US" altLang="zh-CN" sz="1200" dirty="0" err="1" smtClean="0"/>
@@ -5251,8 +5503,8 @@
         </p:nvSpPr>
         <p:spPr>
           <a:xfrm>
-            <a:off x="6233899" y="2359091"/>
-            <a:ext cx="792088" cy="209085"/>
+            <a:off x="6272159" y="2673459"/>
+            <a:ext cx="792088" cy="263569"/>
           </a:xfrm>
           <a:prstGeom prst="roundRect">
             <a:avLst/>
@@ -5285,7 +5537,7 @@
             </a:r>
             <a:r>
               <a:rPr lang="en-US" altLang="zh-CN" sz="1200" dirty="0" err="1" smtClean="0"/>
-              <a:t>Req</a:t>
+              <a:t>Ind</a:t>
             </a:r>
             <a:endParaRPr lang="en-US" altLang="zh-CN" sz="1200" dirty="0" smtClean="0"/>
           </a:p>
@@ -5299,8 +5551,8 @@
         </p:nvSpPr>
         <p:spPr>
           <a:xfrm>
-            <a:off x="6233899" y="2666693"/>
-            <a:ext cx="792088" cy="458286"/>
+            <a:off x="6272159" y="3049128"/>
+            <a:ext cx="792088" cy="279674"/>
           </a:xfrm>
           <a:prstGeom prst="roundRect">
             <a:avLst/>
@@ -5329,8 +5581,13 @@
             <a:pPr algn="ctr"/>
             <a:r>
               <a:rPr lang="en-US" altLang="zh-CN" sz="1200" dirty="0" smtClean="0"/>
-              <a:t>CF Con</a:t>
-            </a:r>
+              <a:t>CF </a:t>
+            </a:r>
+            <a:r>
+              <a:rPr lang="en-US" altLang="zh-CN" sz="1200" dirty="0" err="1" smtClean="0"/>
+              <a:t>Ind</a:t>
+            </a:r>
+            <a:endParaRPr lang="en-US" altLang="zh-CN" sz="1200" dirty="0" smtClean="0"/>
           </a:p>
         </p:txBody>
       </p:sp>
@@ -5342,8 +5599,8 @@
         </p:nvSpPr>
         <p:spPr>
           <a:xfrm>
-            <a:off x="6272159" y="2005346"/>
-            <a:ext cx="792088" cy="200568"/>
+            <a:off x="6272159" y="1975263"/>
+            <a:ext cx="792088" cy="278309"/>
           </a:xfrm>
           <a:prstGeom prst="roundRect">
             <a:avLst/>
@@ -5374,7 +5631,6 @@
               <a:rPr lang="en-US" altLang="zh-CN" sz="1200" dirty="0" smtClean="0"/>
               <a:t>FC con</a:t>
             </a:r>
-            <a:endParaRPr lang="en-US" altLang="zh-CN" sz="1200" dirty="0" smtClean="0"/>
           </a:p>
         </p:txBody>
       </p:sp>
@@ -5411,39 +5667,6 @@
           </a:p>
         </p:txBody>
       </p:sp>
-      <p:cxnSp>
-        <p:nvCxnSpPr>
-          <p:cNvPr id="223" name="直接箭头连接符 222"/>
-          <p:cNvCxnSpPr/>
-          <p:nvPr/>
-        </p:nvCxnSpPr>
-        <p:spPr>
-          <a:xfrm flipH="1">
-            <a:off x="5403928" y="1784644"/>
-            <a:ext cx="826262" cy="0"/>
-          </a:xfrm>
-          <a:prstGeom prst="straightConnector1">
-            <a:avLst/>
-          </a:prstGeom>
-          <a:ln>
-            <a:tailEnd type="arrow"/>
-          </a:ln>
-        </p:spPr>
-        <p:style>
-          <a:lnRef idx="1">
-            <a:schemeClr val="accent1"/>
-          </a:lnRef>
-          <a:fillRef idx="0">
-            <a:schemeClr val="accent1"/>
-          </a:fillRef>
-          <a:effectRef idx="0">
-            <a:schemeClr val="accent1"/>
-          </a:effectRef>
-          <a:fontRef idx="minor">
-            <a:schemeClr val="tx1"/>
-          </a:fontRef>
-        </p:style>
-      </p:cxnSp>
       <p:sp>
         <p:nvSpPr>
           <p:cNvPr id="227" name="圆角矩形 226"/>
@@ -5453,7 +5676,7 @@
         <p:spPr>
           <a:xfrm>
             <a:off x="7524328" y="833746"/>
-            <a:ext cx="1224136" cy="2572034"/>
+            <a:ext cx="1224136" cy="2689423"/>
           </a:xfrm>
           <a:prstGeom prst="roundRect">
             <a:avLst/>
@@ -5490,8 +5713,8 @@
         </p:nvSpPr>
         <p:spPr>
           <a:xfrm>
-            <a:off x="7704584" y="1482447"/>
-            <a:ext cx="864096" cy="202455"/>
+            <a:off x="7712457" y="1501293"/>
+            <a:ext cx="864096" cy="141520"/>
           </a:xfrm>
           <a:prstGeom prst="rect">
             <a:avLst/>
@@ -5538,8 +5761,8 @@
         </p:nvSpPr>
         <p:spPr>
           <a:xfrm>
-            <a:off x="7704584" y="1772808"/>
-            <a:ext cx="864096" cy="202455"/>
+            <a:off x="7712457" y="1937378"/>
+            <a:ext cx="864096" cy="144728"/>
           </a:xfrm>
           <a:prstGeom prst="rect">
             <a:avLst/>
@@ -5586,8 +5809,8 @@
         </p:nvSpPr>
         <p:spPr>
           <a:xfrm>
-            <a:off x="7704348" y="2057919"/>
-            <a:ext cx="864096" cy="202455"/>
+            <a:off x="7712457" y="2715802"/>
+            <a:ext cx="864096" cy="143466"/>
           </a:xfrm>
           <a:prstGeom prst="rect">
             <a:avLst/>
@@ -5620,7 +5843,11 @@
             </a:r>
             <a:r>
               <a:rPr lang="en-US" altLang="zh-CN" sz="1100" dirty="0" smtClean="0"/>
-              <a:t> FC</a:t>
+              <a:t> </a:t>
+            </a:r>
+            <a:r>
+              <a:rPr lang="en-US" altLang="zh-CN" sz="1100" dirty="0" smtClean="0"/>
+              <a:t>CF</a:t>
             </a:r>
             <a:endParaRPr lang="zh-CN" altLang="en-US" sz="1100" dirty="0"/>
           </a:p>
@@ -5634,8 +5861,8 @@
         </p:nvSpPr>
         <p:spPr>
           <a:xfrm>
-            <a:off x="7704347" y="2355055"/>
-            <a:ext cx="864096" cy="202455"/>
+            <a:off x="7712457" y="3035178"/>
+            <a:ext cx="864096" cy="148153"/>
           </a:xfrm>
           <a:prstGeom prst="rect">
             <a:avLst/>
@@ -5680,54 +5907,6 @@
       </p:sp>
       <p:sp>
         <p:nvSpPr>
-          <p:cNvPr id="232" name="矩形 231"/>
-          <p:cNvSpPr/>
-          <p:nvPr/>
-        </p:nvSpPr>
-        <p:spPr>
-          <a:xfrm>
-            <a:off x="7732068" y="2880757"/>
-            <a:ext cx="864096" cy="202455"/>
-          </a:xfrm>
-          <a:prstGeom prst="rect">
-            <a:avLst/>
-          </a:prstGeom>
-        </p:spPr>
-        <p:style>
-          <a:lnRef idx="2">
-            <a:schemeClr val="accent1">
-              <a:shade val="50000"/>
-            </a:schemeClr>
-          </a:lnRef>
-          <a:fillRef idx="1">
-            <a:schemeClr val="accent1"/>
-          </a:fillRef>
-          <a:effectRef idx="0">
-            <a:schemeClr val="accent1"/>
-          </a:effectRef>
-          <a:fontRef idx="minor">
-            <a:schemeClr val="lt1"/>
-          </a:fontRef>
-        </p:style>
-        <p:txBody>
-          <a:bodyPr rtlCol="0" anchor="ctr"/>
-          <a:lstStyle/>
-          <a:p>
-            <a:pPr algn="ctr"/>
-            <a:r>
-              <a:rPr lang="en-US" altLang="zh-CN" sz="1100" dirty="0" err="1" smtClean="0"/>
-              <a:t>L_Con</a:t>
-            </a:r>
-            <a:r>
-              <a:rPr lang="en-US" altLang="zh-CN" sz="1100" dirty="0" smtClean="0"/>
-              <a:t> CF</a:t>
-            </a:r>
-            <a:endParaRPr lang="zh-CN" altLang="en-US" sz="1100" dirty="0"/>
-          </a:p>
-        </p:txBody>
-      </p:sp>
-      <p:sp>
-        <p:nvSpPr>
           <p:cNvPr id="233" name="TextBox 232"/>
           <p:cNvSpPr txBox="1"/>
           <p:nvPr/>
@@ -5770,7 +5949,7 @@
         <p:spPr>
           <a:xfrm flipH="1">
             <a:off x="1244309" y="2526842"/>
-            <a:ext cx="446020" cy="9160"/>
+            <a:ext cx="448587" cy="9160"/>
           </a:xfrm>
           <a:prstGeom prst="straightConnector1">
             <a:avLst/>
@@ -5838,7 +6017,7 @@
         <p:spPr>
           <a:xfrm>
             <a:off x="5412138" y="1390316"/>
-            <a:ext cx="2724494" cy="92131"/>
+            <a:ext cx="2732367" cy="110977"/>
           </a:xfrm>
           <a:prstGeom prst="bentConnector2">
             <a:avLst/>
@@ -5856,6 +6035,557 @@
           </a:fillRef>
           <a:effectRef idx="0">
             <a:schemeClr val="accent1"/>
+          </a:effectRef>
+          <a:fontRef idx="minor">
+            <a:schemeClr val="tx1"/>
+          </a:fontRef>
+        </p:style>
+      </p:cxnSp>
+      <p:cxnSp>
+        <p:nvCxnSpPr>
+          <p:cNvPr id="253" name="肘形连接符 252"/>
+          <p:cNvCxnSpPr>
+            <a:stCxn id="229" idx="2"/>
+          </p:cNvCxnSpPr>
+          <p:nvPr/>
+        </p:nvCxnSpPr>
+        <p:spPr>
+          <a:xfrm rot="5400000">
+            <a:off x="7542998" y="1603357"/>
+            <a:ext cx="122759" cy="1080257"/>
+          </a:xfrm>
+          <a:prstGeom prst="bentConnector2">
+            <a:avLst/>
+          </a:prstGeom>
+          <a:ln>
+            <a:tailEnd type="arrow"/>
+          </a:ln>
+        </p:spPr>
+        <p:style>
+          <a:lnRef idx="1">
+            <a:schemeClr val="accent1"/>
+          </a:lnRef>
+          <a:fillRef idx="0">
+            <a:schemeClr val="accent1"/>
+          </a:fillRef>
+          <a:effectRef idx="0">
+            <a:schemeClr val="accent1"/>
+          </a:effectRef>
+          <a:fontRef idx="minor">
+            <a:schemeClr val="tx1"/>
+          </a:fontRef>
+        </p:style>
+      </p:cxnSp>
+      <p:cxnSp>
+        <p:nvCxnSpPr>
+          <p:cNvPr id="34" name="直接箭头连接符 33"/>
+          <p:cNvCxnSpPr>
+            <a:stCxn id="206" idx="2"/>
+            <a:endCxn id="207" idx="0"/>
+          </p:cNvCxnSpPr>
+          <p:nvPr/>
+        </p:nvCxnSpPr>
+        <p:spPr>
+          <a:xfrm>
+            <a:off x="6668203" y="1587022"/>
+            <a:ext cx="0" cy="111580"/>
+          </a:xfrm>
+          <a:prstGeom prst="straightConnector1">
+            <a:avLst/>
+          </a:prstGeom>
+          <a:ln>
+            <a:tailEnd type="arrow"/>
+          </a:ln>
+        </p:spPr>
+        <p:style>
+          <a:lnRef idx="1">
+            <a:schemeClr val="accent1"/>
+          </a:lnRef>
+          <a:fillRef idx="0">
+            <a:schemeClr val="accent1"/>
+          </a:fillRef>
+          <a:effectRef idx="0">
+            <a:schemeClr val="accent1"/>
+          </a:effectRef>
+          <a:fontRef idx="minor">
+            <a:schemeClr val="tx1"/>
+          </a:fontRef>
+        </p:style>
+      </p:cxnSp>
+      <p:cxnSp>
+        <p:nvCxnSpPr>
+          <p:cNvPr id="36" name="直接箭头连接符 35"/>
+          <p:cNvCxnSpPr>
+            <a:endCxn id="230" idx="1"/>
+          </p:cNvCxnSpPr>
+          <p:nvPr/>
+        </p:nvCxnSpPr>
+        <p:spPr>
+          <a:xfrm>
+            <a:off x="5403928" y="2775563"/>
+            <a:ext cx="2308529" cy="11972"/>
+          </a:xfrm>
+          <a:prstGeom prst="straightConnector1">
+            <a:avLst/>
+          </a:prstGeom>
+          <a:ln>
+            <a:prstDash val="dash"/>
+            <a:tailEnd type="arrow"/>
+          </a:ln>
+        </p:spPr>
+        <p:style>
+          <a:lnRef idx="1">
+            <a:schemeClr val="accent1"/>
+          </a:lnRef>
+          <a:fillRef idx="0">
+            <a:schemeClr val="accent1"/>
+          </a:fillRef>
+          <a:effectRef idx="0">
+            <a:schemeClr val="accent1"/>
+          </a:effectRef>
+          <a:fontRef idx="minor">
+            <a:schemeClr val="tx1"/>
+          </a:fontRef>
+        </p:style>
+      </p:cxnSp>
+      <p:cxnSp>
+        <p:nvCxnSpPr>
+          <p:cNvPr id="41" name="肘形连接符 40"/>
+          <p:cNvCxnSpPr>
+            <a:stCxn id="230" idx="2"/>
+          </p:cNvCxnSpPr>
+          <p:nvPr/>
+        </p:nvCxnSpPr>
+        <p:spPr>
+          <a:xfrm rot="5400000">
+            <a:off x="7575480" y="2348041"/>
+            <a:ext cx="57799" cy="1080252"/>
+          </a:xfrm>
+          <a:prstGeom prst="bentConnector2">
+            <a:avLst/>
+          </a:prstGeom>
+          <a:ln>
+            <a:tailEnd type="arrow"/>
+          </a:ln>
+        </p:spPr>
+        <p:style>
+          <a:lnRef idx="1">
+            <a:schemeClr val="accent1"/>
+          </a:lnRef>
+          <a:fillRef idx="0">
+            <a:schemeClr val="accent1"/>
+          </a:fillRef>
+          <a:effectRef idx="0">
+            <a:schemeClr val="accent1"/>
+          </a:effectRef>
+          <a:fontRef idx="minor">
+            <a:schemeClr val="tx1"/>
+          </a:fontRef>
+        </p:style>
+      </p:cxnSp>
+      <p:cxnSp>
+        <p:nvCxnSpPr>
+          <p:cNvPr id="43" name="直接箭头连接符 42"/>
+          <p:cNvCxnSpPr>
+            <a:endCxn id="229" idx="1"/>
+          </p:cNvCxnSpPr>
+          <p:nvPr/>
+        </p:nvCxnSpPr>
+        <p:spPr>
+          <a:xfrm>
+            <a:off x="5403928" y="2005345"/>
+            <a:ext cx="2308529" cy="4397"/>
+          </a:xfrm>
+          <a:prstGeom prst="straightConnector1">
+            <a:avLst/>
+          </a:prstGeom>
+          <a:ln>
+            <a:prstDash val="dash"/>
+            <a:tailEnd type="arrow"/>
+          </a:ln>
+        </p:spPr>
+        <p:style>
+          <a:lnRef idx="1">
+            <a:schemeClr val="accent1"/>
+          </a:lnRef>
+          <a:fillRef idx="0">
+            <a:schemeClr val="accent1"/>
+          </a:fillRef>
+          <a:effectRef idx="0">
+            <a:schemeClr val="accent1"/>
+          </a:effectRef>
+          <a:fontRef idx="minor">
+            <a:schemeClr val="tx1"/>
+          </a:fontRef>
+        </p:style>
+      </p:cxnSp>
+      <p:cxnSp>
+        <p:nvCxnSpPr>
+          <p:cNvPr id="45" name="直接箭头连接符 44"/>
+          <p:cNvCxnSpPr>
+            <a:stCxn id="210" idx="2"/>
+            <a:endCxn id="208" idx="0"/>
+          </p:cNvCxnSpPr>
+          <p:nvPr/>
+        </p:nvCxnSpPr>
+        <p:spPr>
+          <a:xfrm>
+            <a:off x="6668203" y="2253572"/>
+            <a:ext cx="0" cy="419887"/>
+          </a:xfrm>
+          <a:prstGeom prst="straightConnector1">
+            <a:avLst/>
+          </a:prstGeom>
+          <a:ln>
+            <a:tailEnd type="arrow"/>
+          </a:ln>
+        </p:spPr>
+        <p:style>
+          <a:lnRef idx="1">
+            <a:schemeClr val="accent1"/>
+          </a:lnRef>
+          <a:fillRef idx="0">
+            <a:schemeClr val="accent1"/>
+          </a:fillRef>
+          <a:effectRef idx="0">
+            <a:schemeClr val="accent1"/>
+          </a:effectRef>
+          <a:fontRef idx="minor">
+            <a:schemeClr val="tx1"/>
+          </a:fontRef>
+        </p:style>
+      </p:cxnSp>
+      <p:cxnSp>
+        <p:nvCxnSpPr>
+          <p:cNvPr id="47" name="直接箭头连接符 46"/>
+          <p:cNvCxnSpPr>
+            <a:endCxn id="231" idx="1"/>
+          </p:cNvCxnSpPr>
+          <p:nvPr/>
+        </p:nvCxnSpPr>
+        <p:spPr>
+          <a:xfrm>
+            <a:off x="5412139" y="3109254"/>
+            <a:ext cx="2300318" cy="1"/>
+          </a:xfrm>
+          <a:prstGeom prst="straightConnector1">
+            <a:avLst/>
+          </a:prstGeom>
+          <a:ln>
+            <a:tailEnd type="arrow"/>
+          </a:ln>
+        </p:spPr>
+        <p:style>
+          <a:lnRef idx="1">
+            <a:schemeClr val="accent1"/>
+          </a:lnRef>
+          <a:fillRef idx="0">
+            <a:schemeClr val="accent1"/>
+          </a:fillRef>
+          <a:effectRef idx="0">
+            <a:schemeClr val="accent1"/>
+          </a:effectRef>
+          <a:fontRef idx="minor">
+            <a:schemeClr val="tx1"/>
+          </a:fontRef>
+        </p:style>
+      </p:cxnSp>
+      <p:cxnSp>
+        <p:nvCxnSpPr>
+          <p:cNvPr id="49" name="肘形连接符 48"/>
+          <p:cNvCxnSpPr>
+            <a:stCxn id="231" idx="2"/>
+          </p:cNvCxnSpPr>
+          <p:nvPr/>
+        </p:nvCxnSpPr>
+        <p:spPr>
+          <a:xfrm rot="5400000">
+            <a:off x="7577230" y="2670356"/>
+            <a:ext cx="54301" cy="1080251"/>
+          </a:xfrm>
+          <a:prstGeom prst="bentConnector2">
+            <a:avLst/>
+          </a:prstGeom>
+          <a:ln>
+            <a:tailEnd type="arrow"/>
+          </a:ln>
+        </p:spPr>
+        <p:style>
+          <a:lnRef idx="1">
+            <a:schemeClr val="accent1"/>
+          </a:lnRef>
+          <a:fillRef idx="0">
+            <a:schemeClr val="accent1"/>
+          </a:fillRef>
+          <a:effectRef idx="0">
+            <a:schemeClr val="accent1"/>
+          </a:effectRef>
+          <a:fontRef idx="minor">
+            <a:schemeClr val="tx1"/>
+          </a:fontRef>
+        </p:style>
+      </p:cxnSp>
+      <p:sp>
+        <p:nvSpPr>
+          <p:cNvPr id="129" name="矩形 128"/>
+          <p:cNvSpPr/>
+          <p:nvPr/>
+        </p:nvSpPr>
+        <p:spPr>
+          <a:xfrm>
+            <a:off x="7712457" y="1708969"/>
+            <a:ext cx="864096" cy="144695"/>
+          </a:xfrm>
+          <a:prstGeom prst="rect">
+            <a:avLst/>
+          </a:prstGeom>
+        </p:spPr>
+        <p:style>
+          <a:lnRef idx="2">
+            <a:schemeClr val="accent1">
+              <a:shade val="50000"/>
+            </a:schemeClr>
+          </a:lnRef>
+          <a:fillRef idx="1">
+            <a:schemeClr val="accent1"/>
+          </a:fillRef>
+          <a:effectRef idx="0">
+            <a:schemeClr val="accent1"/>
+          </a:effectRef>
+          <a:fontRef idx="minor">
+            <a:schemeClr val="lt1"/>
+          </a:fontRef>
+        </p:style>
+        <p:txBody>
+          <a:bodyPr rtlCol="0" anchor="ctr"/>
+          <a:lstStyle/>
+          <a:p>
+            <a:pPr algn="ctr"/>
+            <a:r>
+              <a:rPr lang="en-US" altLang="zh-CN" sz="1100" dirty="0" err="1" smtClean="0"/>
+              <a:t>L_Req</a:t>
+            </a:r>
+            <a:r>
+              <a:rPr lang="en-US" altLang="zh-CN" sz="1100" dirty="0" smtClean="0"/>
+              <a:t> </a:t>
+            </a:r>
+            <a:r>
+              <a:rPr lang="en-US" altLang="zh-CN" sz="1100" dirty="0" smtClean="0"/>
+              <a:t>CF</a:t>
+            </a:r>
+            <a:endParaRPr lang="zh-CN" altLang="en-US" sz="1100" dirty="0"/>
+          </a:p>
+        </p:txBody>
+      </p:sp>
+      <p:cxnSp>
+        <p:nvCxnSpPr>
+          <p:cNvPr id="52" name="直接箭头连接符 51"/>
+          <p:cNvCxnSpPr>
+            <a:stCxn id="207" idx="3"/>
+            <a:endCxn id="129" idx="1"/>
+          </p:cNvCxnSpPr>
+          <p:nvPr/>
+        </p:nvCxnSpPr>
+        <p:spPr>
+          <a:xfrm flipV="1">
+            <a:off x="7064247" y="1781317"/>
+            <a:ext cx="648210" cy="1724"/>
+          </a:xfrm>
+          <a:prstGeom prst="straightConnector1">
+            <a:avLst/>
+          </a:prstGeom>
+          <a:ln>
+            <a:tailEnd type="arrow"/>
+          </a:ln>
+        </p:spPr>
+        <p:style>
+          <a:lnRef idx="1">
+            <a:schemeClr val="accent1"/>
+          </a:lnRef>
+          <a:fillRef idx="0">
+            <a:schemeClr val="accent1"/>
+          </a:fillRef>
+          <a:effectRef idx="0">
+            <a:schemeClr val="accent1"/>
+          </a:effectRef>
+          <a:fontRef idx="minor">
+            <a:schemeClr val="tx1"/>
+          </a:fontRef>
+        </p:style>
+      </p:cxnSp>
+      <p:cxnSp>
+        <p:nvCxnSpPr>
+          <p:cNvPr id="57" name="直接箭头连接符 56"/>
+          <p:cNvCxnSpPr>
+            <a:stCxn id="207" idx="2"/>
+            <a:endCxn id="210" idx="0"/>
+          </p:cNvCxnSpPr>
+          <p:nvPr/>
+        </p:nvCxnSpPr>
+        <p:spPr>
+          <a:xfrm>
+            <a:off x="6668203" y="1867479"/>
+            <a:ext cx="0" cy="107784"/>
+          </a:xfrm>
+          <a:prstGeom prst="straightConnector1">
+            <a:avLst/>
+          </a:prstGeom>
+          <a:ln>
+            <a:tailEnd type="arrow"/>
+          </a:ln>
+        </p:spPr>
+        <p:style>
+          <a:lnRef idx="1">
+            <a:schemeClr val="accent1"/>
+          </a:lnRef>
+          <a:fillRef idx="0">
+            <a:schemeClr val="accent1"/>
+          </a:fillRef>
+          <a:effectRef idx="0">
+            <a:schemeClr val="accent1"/>
+          </a:effectRef>
+          <a:fontRef idx="minor">
+            <a:schemeClr val="tx1"/>
+          </a:fontRef>
+        </p:style>
+      </p:cxnSp>
+      <p:cxnSp>
+        <p:nvCxnSpPr>
+          <p:cNvPr id="62" name="直接箭头连接符 61"/>
+          <p:cNvCxnSpPr>
+            <a:stCxn id="128" idx="2"/>
+            <a:endCxn id="131" idx="0"/>
+          </p:cNvCxnSpPr>
+          <p:nvPr/>
+        </p:nvCxnSpPr>
+        <p:spPr>
+          <a:xfrm>
+            <a:off x="2088940" y="1305717"/>
+            <a:ext cx="0" cy="75630"/>
+          </a:xfrm>
+          <a:prstGeom prst="straightConnector1">
+            <a:avLst/>
+          </a:prstGeom>
+          <a:ln>
+            <a:tailEnd type="arrow"/>
+          </a:ln>
+        </p:spPr>
+        <p:style>
+          <a:lnRef idx="1">
+            <a:schemeClr val="accent1"/>
+          </a:lnRef>
+          <a:fillRef idx="0">
+            <a:schemeClr val="accent1"/>
+          </a:fillRef>
+          <a:effectRef idx="0">
+            <a:schemeClr val="accent1"/>
+          </a:effectRef>
+          <a:fontRef idx="minor">
+            <a:schemeClr val="tx1"/>
+          </a:fontRef>
+        </p:style>
+      </p:cxnSp>
+      <p:cxnSp>
+        <p:nvCxnSpPr>
+          <p:cNvPr id="64" name="直接箭头连接符 63"/>
+          <p:cNvCxnSpPr>
+            <a:stCxn id="132" idx="2"/>
+            <a:endCxn id="133" idx="0"/>
+          </p:cNvCxnSpPr>
+          <p:nvPr/>
+        </p:nvCxnSpPr>
+        <p:spPr>
+          <a:xfrm>
+            <a:off x="2088940" y="2631384"/>
+            <a:ext cx="0" cy="288358"/>
+          </a:xfrm>
+          <a:prstGeom prst="straightConnector1">
+            <a:avLst/>
+          </a:prstGeom>
+          <a:ln>
+            <a:tailEnd type="arrow"/>
+          </a:ln>
+        </p:spPr>
+        <p:style>
+          <a:lnRef idx="1">
+            <a:schemeClr val="accent1"/>
+          </a:lnRef>
+          <a:fillRef idx="0">
+            <a:schemeClr val="accent1"/>
+          </a:fillRef>
+          <a:effectRef idx="0">
+            <a:schemeClr val="accent1"/>
+          </a:effectRef>
+          <a:fontRef idx="minor">
+            <a:schemeClr val="tx1"/>
+          </a:fontRef>
+        </p:style>
+      </p:cxnSp>
+      <p:cxnSp>
+        <p:nvCxnSpPr>
+          <p:cNvPr id="76" name="直接箭头连接符 75"/>
+          <p:cNvCxnSpPr>
+            <a:stCxn id="208" idx="2"/>
+            <a:endCxn id="209" idx="0"/>
+          </p:cNvCxnSpPr>
+          <p:nvPr/>
+        </p:nvCxnSpPr>
+        <p:spPr>
+          <a:xfrm>
+            <a:off x="6668203" y="2937028"/>
+            <a:ext cx="0" cy="112100"/>
+          </a:xfrm>
+          <a:prstGeom prst="straightConnector1">
+            <a:avLst/>
+          </a:prstGeom>
+          <a:ln>
+            <a:tailEnd type="arrow"/>
+          </a:ln>
+        </p:spPr>
+        <p:style>
+          <a:lnRef idx="1">
+            <a:schemeClr val="accent1"/>
+          </a:lnRef>
+          <a:fillRef idx="0">
+            <a:schemeClr val="accent1"/>
+          </a:fillRef>
+          <a:effectRef idx="0">
+            <a:schemeClr val="accent1"/>
+          </a:effectRef>
+          <a:fontRef idx="minor">
+            <a:schemeClr val="tx1"/>
+          </a:fontRef>
+        </p:style>
+      </p:cxnSp>
+      <p:cxnSp>
+        <p:nvCxnSpPr>
+          <p:cNvPr id="16" name="直接箭头连接符 15"/>
+          <p:cNvCxnSpPr>
+            <a:stCxn id="143" idx="2"/>
+          </p:cNvCxnSpPr>
+          <p:nvPr/>
+        </p:nvCxnSpPr>
+        <p:spPr>
+          <a:xfrm>
+            <a:off x="3478027" y="1099020"/>
+            <a:ext cx="1925901" cy="290940"/>
+          </a:xfrm>
+          <a:prstGeom prst="straightConnector1">
+            <a:avLst/>
+          </a:prstGeom>
+          <a:ln>
+            <a:tailEnd type="arrow"/>
+          </a:ln>
+        </p:spPr>
+        <p:style>
+          <a:lnRef idx="2">
+            <a:schemeClr val="accent3"/>
+          </a:lnRef>
+          <a:fillRef idx="0">
+            <a:schemeClr val="accent3"/>
+          </a:fillRef>
+          <a:effectRef idx="1">
+            <a:schemeClr val="accent3"/>
           </a:effectRef>
           <a:fontRef idx="minor">
             <a:schemeClr val="tx1"/>
@@ -10146,7 +10876,17 @@
           <a:p>
             <a:r>
               <a:rPr lang="en-US" altLang="zh-CN" sz="1000" dirty="0" smtClean="0"/>
-              <a:t>FF_DL;12bitN/A: 1byte</a:t>
+              <a:t>FF_DL;12bit</a:t>
+            </a:r>
+          </a:p>
+          <a:p>
+            <a:r>
+              <a:rPr lang="en-US" altLang="zh-CN" sz="1000" dirty="0" smtClean="0"/>
+              <a:t>N/A</a:t>
+            </a:r>
+            <a:r>
+              <a:rPr lang="en-US" altLang="zh-CN" sz="1000" dirty="0" smtClean="0"/>
+              <a:t>: 1byte</a:t>
             </a:r>
             <a:endParaRPr lang="zh-CN" altLang="en-US" sz="1000" dirty="0"/>
           </a:p>
@@ -16242,7 +16982,7 @@
         </p:nvSpPr>
         <p:spPr>
           <a:xfrm>
-            <a:off x="3347864" y="1422596"/>
+            <a:off x="2375756" y="2072200"/>
             <a:ext cx="864096" cy="196385"/>
           </a:xfrm>
           <a:prstGeom prst="roundRect">
@@ -16284,7 +17024,7 @@
         </p:nvSpPr>
         <p:spPr>
           <a:xfrm>
-            <a:off x="3347864" y="1854644"/>
+            <a:off x="2375756" y="2504248"/>
             <a:ext cx="864096" cy="196385"/>
           </a:xfrm>
           <a:prstGeom prst="roundRect">
@@ -16326,7 +17066,7 @@
         </p:nvSpPr>
         <p:spPr>
           <a:xfrm>
-            <a:off x="3347864" y="2242356"/>
+            <a:off x="2375756" y="2891960"/>
             <a:ext cx="864096" cy="178532"/>
           </a:xfrm>
           <a:prstGeom prst="roundRect">
@@ -16368,7 +17108,7 @@
         </p:nvSpPr>
         <p:spPr>
           <a:xfrm>
-            <a:off x="3347864" y="2947497"/>
+            <a:off x="2375756" y="3597101"/>
             <a:ext cx="864096" cy="178532"/>
           </a:xfrm>
           <a:prstGeom prst="roundRect">
@@ -16410,7 +17150,7 @@
         </p:nvSpPr>
         <p:spPr>
           <a:xfrm>
-            <a:off x="3455876" y="1062556"/>
+            <a:off x="2483768" y="1712160"/>
             <a:ext cx="648072" cy="196385"/>
           </a:xfrm>
           <a:prstGeom prst="flowChartDecision">
@@ -16448,7 +17188,7 @@
         </p:nvSpPr>
         <p:spPr>
           <a:xfrm>
-            <a:off x="4236407" y="968475"/>
+            <a:off x="3264299" y="1618079"/>
             <a:ext cx="536754" cy="168522"/>
           </a:xfrm>
           <a:prstGeom prst="accentCallout2">
@@ -16487,11 +17227,7 @@
             </a:r>
             <a:r>
               <a:rPr lang="en-US" altLang="zh-CN" sz="1000" dirty="0" smtClean="0"/>
-              <a:t>x </a:t>
-            </a:r>
-            <a:r>
-              <a:rPr lang="en-US" altLang="zh-CN" sz="1000" dirty="0" smtClean="0"/>
-              <a:t>OK</a:t>
+              <a:t>x OK</a:t>
             </a:r>
           </a:p>
         </p:txBody>
@@ -16507,7 +17243,7 @@
         </p:nvCxnSpPr>
         <p:spPr>
           <a:xfrm>
-            <a:off x="3779912" y="1266380"/>
+            <a:off x="2807804" y="1915984"/>
             <a:ext cx="0" cy="148777"/>
           </a:xfrm>
           <a:prstGeom prst="straightConnector1">
@@ -16542,7 +17278,7 @@
         </p:nvCxnSpPr>
         <p:spPr>
           <a:xfrm flipV="1">
-            <a:off x="3779912" y="846978"/>
+            <a:off x="2807804" y="1496582"/>
             <a:ext cx="0" cy="205313"/>
           </a:xfrm>
           <a:prstGeom prst="straightConnector1">
@@ -16579,7 +17315,7 @@
         </p:nvCxnSpPr>
         <p:spPr>
           <a:xfrm>
-            <a:off x="3779912" y="1629693"/>
+            <a:off x="2807804" y="2279297"/>
             <a:ext cx="0" cy="214239"/>
           </a:xfrm>
           <a:prstGeom prst="straightConnector1">
@@ -16615,7 +17351,7 @@
         </p:nvCxnSpPr>
         <p:spPr>
           <a:xfrm>
-            <a:off x="3779912" y="2051029"/>
+            <a:off x="2807804" y="2700633"/>
             <a:ext cx="0" cy="191327"/>
           </a:xfrm>
           <a:prstGeom prst="straightConnector1">
@@ -16648,7 +17384,7 @@
         </p:nvSpPr>
         <p:spPr>
           <a:xfrm>
-            <a:off x="3455876" y="2584543"/>
+            <a:off x="2483768" y="3234147"/>
             <a:ext cx="648072" cy="196385"/>
           </a:xfrm>
           <a:prstGeom prst="flowChartDecision">
@@ -16689,7 +17425,7 @@
         </p:nvCxnSpPr>
         <p:spPr>
           <a:xfrm>
-            <a:off x="3779912" y="2780928"/>
+            <a:off x="2807804" y="3430532"/>
             <a:ext cx="0" cy="166569"/>
           </a:xfrm>
           <a:prstGeom prst="straightConnector1">
@@ -16722,7 +17458,7 @@
         </p:nvSpPr>
         <p:spPr>
           <a:xfrm>
-            <a:off x="4236407" y="2453289"/>
+            <a:off x="3264299" y="3102893"/>
             <a:ext cx="536754" cy="168522"/>
           </a:xfrm>
           <a:prstGeom prst="accentCallout2">
@@ -16765,11 +17501,7 @@
             </a:r>
             <a:r>
               <a:rPr lang="en-US" altLang="zh-CN" sz="1000" dirty="0" smtClean="0"/>
-              <a:t> </a:t>
-            </a:r>
-            <a:r>
-              <a:rPr lang="en-US" altLang="zh-CN" sz="1000" dirty="0" smtClean="0"/>
-              <a:t>OK</a:t>
+              <a:t> OK</a:t>
             </a:r>
           </a:p>
         </p:txBody>
@@ -16785,7 +17517,7 @@
         </p:nvCxnSpPr>
         <p:spPr>
           <a:xfrm>
-            <a:off x="3779912" y="2420888"/>
+            <a:off x="2807804" y="3070492"/>
             <a:ext cx="0" cy="163655"/>
           </a:xfrm>
           <a:prstGeom prst="straightConnector1">
@@ -16810,6 +17542,1207 @@
           </a:fontRef>
         </p:style>
       </p:cxnSp>
+      <p:sp>
+        <p:nvSpPr>
+          <p:cNvPr id="17" name="流程图: 决策 16"/>
+          <p:cNvSpPr/>
+          <p:nvPr/>
+        </p:nvSpPr>
+        <p:spPr>
+          <a:xfrm>
+            <a:off x="2483768" y="3934588"/>
+            <a:ext cx="648072" cy="196385"/>
+          </a:xfrm>
+          <a:prstGeom prst="flowChartDecision">
+            <a:avLst/>
+          </a:prstGeom>
+        </p:spPr>
+        <p:style>
+          <a:lnRef idx="1">
+            <a:schemeClr val="accent4"/>
+          </a:lnRef>
+          <a:fillRef idx="3">
+            <a:schemeClr val="accent4"/>
+          </a:fillRef>
+          <a:effectRef idx="2">
+            <a:schemeClr val="accent4"/>
+          </a:effectRef>
+          <a:fontRef idx="minor">
+            <a:schemeClr val="lt1"/>
+          </a:fontRef>
+        </p:style>
+        <p:txBody>
+          <a:bodyPr rtlCol="0" anchor="ctr"/>
+          <a:lstStyle/>
+          <a:p>
+            <a:pPr algn="ctr"/>
+            <a:endParaRPr lang="zh-CN" altLang="en-US"/>
+          </a:p>
+        </p:txBody>
+      </p:sp>
+      <p:sp>
+        <p:nvSpPr>
+          <p:cNvPr id="18" name="线形标注 2(带强调线) 17"/>
+          <p:cNvSpPr/>
+          <p:nvPr/>
+        </p:nvSpPr>
+        <p:spPr>
+          <a:xfrm>
+            <a:off x="3264299" y="3865875"/>
+            <a:ext cx="536754" cy="168522"/>
+          </a:xfrm>
+          <a:prstGeom prst="accentCallout2">
+            <a:avLst>
+              <a:gd name="adj1" fmla="val 18750"/>
+              <a:gd name="adj2" fmla="val -8333"/>
+              <a:gd name="adj3" fmla="val 15924"/>
+              <a:gd name="adj4" fmla="val -36537"/>
+              <a:gd name="adj5" fmla="val 119848"/>
+              <a:gd name="adj6" fmla="val -75948"/>
+            </a:avLst>
+          </a:prstGeom>
+        </p:spPr>
+        <p:style>
+          <a:lnRef idx="1">
+            <a:schemeClr val="accent4"/>
+          </a:lnRef>
+          <a:fillRef idx="3">
+            <a:schemeClr val="accent4"/>
+          </a:fillRef>
+          <a:effectRef idx="2">
+            <a:schemeClr val="accent4"/>
+          </a:effectRef>
+          <a:fontRef idx="minor">
+            <a:schemeClr val="lt1"/>
+          </a:fontRef>
+        </p:style>
+        <p:txBody>
+          <a:bodyPr rtlCol="0" anchor="ctr"/>
+          <a:lstStyle/>
+          <a:p>
+            <a:pPr algn="ctr"/>
+            <a:r>
+              <a:rPr lang="en-US" altLang="zh-CN" sz="1000" dirty="0"/>
+              <a:t>R</a:t>
+            </a:r>
+            <a:r>
+              <a:rPr lang="en-US" altLang="zh-CN" sz="1000" dirty="0" smtClean="0"/>
+              <a:t>x OK</a:t>
+            </a:r>
+          </a:p>
+        </p:txBody>
+      </p:sp>
+      <p:cxnSp>
+        <p:nvCxnSpPr>
+          <p:cNvPr id="10" name="直接箭头连接符 9"/>
+          <p:cNvCxnSpPr>
+            <a:stCxn id="7" idx="2"/>
+            <a:endCxn id="17" idx="0"/>
+          </p:cNvCxnSpPr>
+          <p:nvPr/>
+        </p:nvCxnSpPr>
+        <p:spPr>
+          <a:xfrm>
+            <a:off x="2807804" y="3775633"/>
+            <a:ext cx="0" cy="158955"/>
+          </a:xfrm>
+          <a:prstGeom prst="straightConnector1">
+            <a:avLst/>
+          </a:prstGeom>
+          <a:ln>
+            <a:tailEnd type="arrow"/>
+          </a:ln>
+        </p:spPr>
+        <p:style>
+          <a:lnRef idx="1">
+            <a:schemeClr val="accent4"/>
+          </a:lnRef>
+          <a:fillRef idx="3">
+            <a:schemeClr val="accent4"/>
+          </a:fillRef>
+          <a:effectRef idx="2">
+            <a:schemeClr val="accent4"/>
+          </a:effectRef>
+          <a:fontRef idx="minor">
+            <a:schemeClr val="lt1"/>
+          </a:fontRef>
+        </p:style>
+      </p:cxnSp>
+      <p:sp>
+        <p:nvSpPr>
+          <p:cNvPr id="21" name="流程图: 决策 20"/>
+          <p:cNvSpPr/>
+          <p:nvPr/>
+        </p:nvSpPr>
+        <p:spPr>
+          <a:xfrm>
+            <a:off x="2393758" y="4316842"/>
+            <a:ext cx="828092" cy="195418"/>
+          </a:xfrm>
+          <a:prstGeom prst="flowChartDecision">
+            <a:avLst/>
+          </a:prstGeom>
+        </p:spPr>
+        <p:style>
+          <a:lnRef idx="1">
+            <a:schemeClr val="accent4"/>
+          </a:lnRef>
+          <a:fillRef idx="3">
+            <a:schemeClr val="accent4"/>
+          </a:fillRef>
+          <a:effectRef idx="2">
+            <a:schemeClr val="accent4"/>
+          </a:effectRef>
+          <a:fontRef idx="minor">
+            <a:schemeClr val="lt1"/>
+          </a:fontRef>
+        </p:style>
+        <p:txBody>
+          <a:bodyPr rtlCol="0" anchor="ctr"/>
+          <a:lstStyle/>
+          <a:p>
+            <a:pPr algn="ctr" fontAlgn="ctr"/>
+            <a:r>
+              <a:rPr lang="en-US" altLang="zh-CN" sz="800" dirty="0" smtClean="0"/>
+              <a:t>&lt;</a:t>
+            </a:r>
+            <a:r>
+              <a:rPr lang="en-US" altLang="zh-CN" sz="800" dirty="0" smtClean="0"/>
+              <a:t>BS</a:t>
+            </a:r>
+            <a:endParaRPr lang="zh-CN" altLang="en-US" sz="800" dirty="0"/>
+          </a:p>
+        </p:txBody>
+      </p:sp>
+      <p:cxnSp>
+        <p:nvCxnSpPr>
+          <p:cNvPr id="14" name="肘形连接符 13"/>
+          <p:cNvCxnSpPr>
+            <a:stCxn id="21" idx="3"/>
+            <a:endCxn id="7" idx="3"/>
+          </p:cNvCxnSpPr>
+          <p:nvPr/>
+        </p:nvCxnSpPr>
+        <p:spPr>
+          <a:xfrm flipV="1">
+            <a:off x="3221850" y="3686367"/>
+            <a:ext cx="18002" cy="728184"/>
+          </a:xfrm>
+          <a:prstGeom prst="bentConnector3">
+            <a:avLst>
+              <a:gd name="adj1" fmla="val 3909577"/>
+            </a:avLst>
+          </a:prstGeom>
+          <a:ln>
+            <a:tailEnd type="arrow"/>
+          </a:ln>
+        </p:spPr>
+        <p:style>
+          <a:lnRef idx="1">
+            <a:schemeClr val="accent4"/>
+          </a:lnRef>
+          <a:fillRef idx="3">
+            <a:schemeClr val="accent4"/>
+          </a:fillRef>
+          <a:effectRef idx="2">
+            <a:schemeClr val="accent4"/>
+          </a:effectRef>
+          <a:fontRef idx="minor">
+            <a:schemeClr val="lt1"/>
+          </a:fontRef>
+        </p:style>
+      </p:cxnSp>
+      <p:sp>
+        <p:nvSpPr>
+          <p:cNvPr id="20" name="TextBox 19"/>
+          <p:cNvSpPr txBox="1"/>
+          <p:nvPr/>
+        </p:nvSpPr>
+        <p:spPr>
+          <a:xfrm>
+            <a:off x="3131840" y="4152381"/>
+            <a:ext cx="378042" cy="246221"/>
+          </a:xfrm>
+          <a:prstGeom prst="rect">
+            <a:avLst/>
+          </a:prstGeom>
+          <a:noFill/>
+        </p:spPr>
+        <p:txBody>
+          <a:bodyPr wrap="square" rtlCol="0">
+            <a:spAutoFit/>
+          </a:bodyPr>
+          <a:lstStyle/>
+          <a:p>
+            <a:r>
+              <a:rPr lang="en-US" altLang="zh-CN" sz="1000" dirty="0" smtClean="0"/>
+              <a:t>Yes</a:t>
+            </a:r>
+            <a:endParaRPr lang="zh-CN" altLang="en-US" sz="1000" dirty="0"/>
+          </a:p>
+        </p:txBody>
+      </p:sp>
+      <p:sp>
+        <p:nvSpPr>
+          <p:cNvPr id="29" name="流程图: 决策 28"/>
+          <p:cNvSpPr/>
+          <p:nvPr/>
+        </p:nvSpPr>
+        <p:spPr>
+          <a:xfrm>
+            <a:off x="2456765" y="4612974"/>
+            <a:ext cx="702078" cy="196385"/>
+          </a:xfrm>
+          <a:prstGeom prst="flowChartDecision">
+            <a:avLst/>
+          </a:prstGeom>
+        </p:spPr>
+        <p:style>
+          <a:lnRef idx="1">
+            <a:schemeClr val="accent4"/>
+          </a:lnRef>
+          <a:fillRef idx="3">
+            <a:schemeClr val="accent4"/>
+          </a:fillRef>
+          <a:effectRef idx="2">
+            <a:schemeClr val="accent4"/>
+          </a:effectRef>
+          <a:fontRef idx="minor">
+            <a:schemeClr val="lt1"/>
+          </a:fontRef>
+        </p:style>
+        <p:txBody>
+          <a:bodyPr rtlCol="0" anchor="ctr"/>
+          <a:lstStyle/>
+          <a:p>
+            <a:pPr algn="ctr"/>
+            <a:r>
+              <a:rPr lang="en-US" altLang="zh-CN" sz="800" dirty="0" smtClean="0"/>
+              <a:t>=BS</a:t>
+            </a:r>
+            <a:endParaRPr lang="zh-CN" altLang="en-US" sz="800" dirty="0"/>
+          </a:p>
+        </p:txBody>
+      </p:sp>
+      <p:cxnSp>
+        <p:nvCxnSpPr>
+          <p:cNvPr id="30" name="肘形连接符 29"/>
+          <p:cNvCxnSpPr>
+            <a:stCxn id="29" idx="3"/>
+            <a:endCxn id="5" idx="3"/>
+          </p:cNvCxnSpPr>
+          <p:nvPr/>
+        </p:nvCxnSpPr>
+        <p:spPr>
+          <a:xfrm flipV="1">
+            <a:off x="3158843" y="2602441"/>
+            <a:ext cx="81009" cy="2108726"/>
+          </a:xfrm>
+          <a:prstGeom prst="bentConnector3">
+            <a:avLst>
+              <a:gd name="adj1" fmla="val 1125293"/>
+            </a:avLst>
+          </a:prstGeom>
+          <a:ln>
+            <a:tailEnd type="arrow"/>
+          </a:ln>
+        </p:spPr>
+        <p:style>
+          <a:lnRef idx="1">
+            <a:schemeClr val="accent4"/>
+          </a:lnRef>
+          <a:fillRef idx="3">
+            <a:schemeClr val="accent4"/>
+          </a:fillRef>
+          <a:effectRef idx="2">
+            <a:schemeClr val="accent4"/>
+          </a:effectRef>
+          <a:fontRef idx="minor">
+            <a:schemeClr val="lt1"/>
+          </a:fontRef>
+        </p:style>
+      </p:cxnSp>
+      <p:cxnSp>
+        <p:nvCxnSpPr>
+          <p:cNvPr id="35" name="直接箭头连接符 34"/>
+          <p:cNvCxnSpPr>
+            <a:stCxn id="17" idx="2"/>
+            <a:endCxn id="21" idx="0"/>
+          </p:cNvCxnSpPr>
+          <p:nvPr/>
+        </p:nvCxnSpPr>
+        <p:spPr>
+          <a:xfrm>
+            <a:off x="2807804" y="4130973"/>
+            <a:ext cx="0" cy="185869"/>
+          </a:xfrm>
+          <a:prstGeom prst="straightConnector1">
+            <a:avLst/>
+          </a:prstGeom>
+          <a:ln>
+            <a:headEnd type="none"/>
+            <a:tailEnd type="arrow"/>
+          </a:ln>
+        </p:spPr>
+        <p:style>
+          <a:lnRef idx="1">
+            <a:schemeClr val="accent4"/>
+          </a:lnRef>
+          <a:fillRef idx="3">
+            <a:schemeClr val="accent4"/>
+          </a:fillRef>
+          <a:effectRef idx="2">
+            <a:schemeClr val="accent4"/>
+          </a:effectRef>
+          <a:fontRef idx="minor">
+            <a:schemeClr val="lt1"/>
+          </a:fontRef>
+        </p:style>
+      </p:cxnSp>
+      <p:sp>
+        <p:nvSpPr>
+          <p:cNvPr id="38" name="TextBox 37"/>
+          <p:cNvSpPr txBox="1"/>
+          <p:nvPr/>
+        </p:nvSpPr>
+        <p:spPr>
+          <a:xfrm>
+            <a:off x="3034489" y="4489864"/>
+            <a:ext cx="1188132" cy="246221"/>
+          </a:xfrm>
+          <a:prstGeom prst="rect">
+            <a:avLst/>
+          </a:prstGeom>
+          <a:noFill/>
+        </p:spPr>
+        <p:txBody>
+          <a:bodyPr wrap="square" rtlCol="0">
+            <a:spAutoFit/>
+          </a:bodyPr>
+          <a:lstStyle/>
+          <a:p>
+            <a:r>
+              <a:rPr lang="en-US" altLang="zh-CN" sz="1000" dirty="0" smtClean="0"/>
+              <a:t>Count &lt; FF_DL</a:t>
+            </a:r>
+            <a:endParaRPr lang="zh-CN" altLang="en-US" sz="1000" dirty="0"/>
+          </a:p>
+        </p:txBody>
+      </p:sp>
+      <p:sp>
+        <p:nvSpPr>
+          <p:cNvPr id="39" name="TextBox 38"/>
+          <p:cNvSpPr txBox="1"/>
+          <p:nvPr/>
+        </p:nvSpPr>
+        <p:spPr>
+          <a:xfrm>
+            <a:off x="2231740" y="4100796"/>
+            <a:ext cx="648072" cy="246221"/>
+          </a:xfrm>
+          <a:prstGeom prst="rect">
+            <a:avLst/>
+          </a:prstGeom>
+          <a:noFill/>
+        </p:spPr>
+        <p:txBody>
+          <a:bodyPr wrap="square" rtlCol="0">
+            <a:spAutoFit/>
+          </a:bodyPr>
+          <a:lstStyle/>
+          <a:p>
+            <a:r>
+              <a:rPr lang="en-US" altLang="zh-CN" sz="1000" dirty="0" smtClean="0"/>
+              <a:t>Count++</a:t>
+            </a:r>
+            <a:endParaRPr lang="zh-CN" altLang="en-US" sz="1000" dirty="0"/>
+          </a:p>
+        </p:txBody>
+      </p:sp>
+      <p:cxnSp>
+        <p:nvCxnSpPr>
+          <p:cNvPr id="49" name="直接箭头连接符 48"/>
+          <p:cNvCxnSpPr>
+            <a:stCxn id="29" idx="2"/>
+          </p:cNvCxnSpPr>
+          <p:nvPr/>
+        </p:nvCxnSpPr>
+        <p:spPr>
+          <a:xfrm>
+            <a:off x="2807804" y="4809359"/>
+            <a:ext cx="0" cy="277357"/>
+          </a:xfrm>
+          <a:prstGeom prst="straightConnector1">
+            <a:avLst/>
+          </a:prstGeom>
+          <a:ln>
+            <a:headEnd type="none"/>
+            <a:tailEnd type="arrow"/>
+          </a:ln>
+        </p:spPr>
+        <p:style>
+          <a:lnRef idx="1">
+            <a:schemeClr val="accent4"/>
+          </a:lnRef>
+          <a:fillRef idx="3">
+            <a:schemeClr val="accent4"/>
+          </a:fillRef>
+          <a:effectRef idx="2">
+            <a:schemeClr val="accent4"/>
+          </a:effectRef>
+          <a:fontRef idx="minor">
+            <a:schemeClr val="lt1"/>
+          </a:fontRef>
+        </p:style>
+      </p:cxnSp>
+      <p:sp>
+        <p:nvSpPr>
+          <p:cNvPr id="50" name="TextBox 49"/>
+          <p:cNvSpPr txBox="1"/>
+          <p:nvPr/>
+        </p:nvSpPr>
+        <p:spPr>
+          <a:xfrm>
+            <a:off x="1587383" y="4588056"/>
+            <a:ext cx="1188132" cy="246221"/>
+          </a:xfrm>
+          <a:prstGeom prst="rect">
+            <a:avLst/>
+          </a:prstGeom>
+          <a:noFill/>
+        </p:spPr>
+        <p:txBody>
+          <a:bodyPr wrap="square" rtlCol="0">
+            <a:spAutoFit/>
+          </a:bodyPr>
+          <a:lstStyle/>
+          <a:p>
+            <a:r>
+              <a:rPr lang="en-US" altLang="zh-CN" sz="1000" dirty="0" smtClean="0"/>
+              <a:t>Count = FF_DL</a:t>
+            </a:r>
+            <a:endParaRPr lang="zh-CN" altLang="en-US" sz="1000" dirty="0"/>
+          </a:p>
+        </p:txBody>
+      </p:sp>
+      <p:cxnSp>
+        <p:nvCxnSpPr>
+          <p:cNvPr id="52" name="直接箭头连接符 51"/>
+          <p:cNvCxnSpPr>
+            <a:stCxn id="21" idx="2"/>
+            <a:endCxn id="29" idx="0"/>
+          </p:cNvCxnSpPr>
+          <p:nvPr/>
+        </p:nvCxnSpPr>
+        <p:spPr>
+          <a:xfrm>
+            <a:off x="2807804" y="4512260"/>
+            <a:ext cx="0" cy="100714"/>
+          </a:xfrm>
+          <a:prstGeom prst="straightConnector1">
+            <a:avLst/>
+          </a:prstGeom>
+          <a:ln>
+            <a:tailEnd type="arrow"/>
+          </a:ln>
+        </p:spPr>
+        <p:style>
+          <a:lnRef idx="1">
+            <a:schemeClr val="accent4"/>
+          </a:lnRef>
+          <a:fillRef idx="3">
+            <a:schemeClr val="accent4"/>
+          </a:fillRef>
+          <a:effectRef idx="2">
+            <a:schemeClr val="accent4"/>
+          </a:effectRef>
+          <a:fontRef idx="minor">
+            <a:schemeClr val="lt1"/>
+          </a:fontRef>
+        </p:style>
+      </p:cxnSp>
+      <p:sp>
+        <p:nvSpPr>
+          <p:cNvPr id="53" name="圆角矩形 52"/>
+          <p:cNvSpPr/>
+          <p:nvPr/>
+        </p:nvSpPr>
+        <p:spPr>
+          <a:xfrm>
+            <a:off x="4381715" y="991438"/>
+            <a:ext cx="1465740" cy="1997867"/>
+          </a:xfrm>
+          <a:prstGeom prst="roundRect">
+            <a:avLst/>
+          </a:prstGeom>
+        </p:spPr>
+        <p:style>
+          <a:lnRef idx="2">
+            <a:schemeClr val="accent4">
+              <a:shade val="50000"/>
+            </a:schemeClr>
+          </a:lnRef>
+          <a:fillRef idx="1">
+            <a:schemeClr val="accent4"/>
+          </a:fillRef>
+          <a:effectRef idx="0">
+            <a:schemeClr val="accent4"/>
+          </a:effectRef>
+          <a:fontRef idx="minor">
+            <a:schemeClr val="lt1"/>
+          </a:fontRef>
+        </p:style>
+        <p:txBody>
+          <a:bodyPr rtlCol="0" anchor="t" anchorCtr="0"/>
+          <a:lstStyle/>
+          <a:p>
+            <a:pPr fontAlgn="t"/>
+            <a:r>
+              <a:rPr lang="en-US" altLang="zh-CN" sz="1000" dirty="0"/>
+              <a:t>N_AI</a:t>
+            </a:r>
+            <a:r>
+              <a:rPr lang="en-US" altLang="zh-CN" sz="1000" dirty="0" smtClean="0"/>
+              <a:t>:</a:t>
+            </a:r>
+          </a:p>
+          <a:p>
+            <a:pPr fontAlgn="t"/>
+            <a:endParaRPr lang="en-US" altLang="zh-CN" sz="1000" dirty="0" smtClean="0"/>
+          </a:p>
+          <a:p>
+            <a:pPr fontAlgn="t"/>
+            <a:endParaRPr lang="en-US" altLang="zh-CN" sz="1000" dirty="0"/>
+          </a:p>
+          <a:p>
+            <a:pPr fontAlgn="t"/>
+            <a:endParaRPr lang="en-US" altLang="zh-CN" sz="1000" dirty="0"/>
+          </a:p>
+          <a:p>
+            <a:pPr fontAlgn="t"/>
+            <a:endParaRPr lang="en-US" altLang="zh-CN" sz="1000" dirty="0"/>
+          </a:p>
+          <a:p>
+            <a:pPr fontAlgn="t"/>
+            <a:r>
+              <a:rPr lang="en-US" altLang="zh-CN" sz="1000" dirty="0" smtClean="0"/>
+              <a:t>N_PCI</a:t>
+            </a:r>
+            <a:r>
+              <a:rPr lang="en-US" altLang="zh-CN" sz="1000" dirty="0" smtClean="0"/>
+              <a:t>:</a:t>
+            </a:r>
+            <a:endParaRPr lang="en-US" altLang="zh-CN" sz="1000" dirty="0"/>
+          </a:p>
+          <a:p>
+            <a:pPr fontAlgn="t"/>
+            <a:endParaRPr lang="en-US" altLang="zh-CN" sz="1000" dirty="0"/>
+          </a:p>
+          <a:p>
+            <a:pPr fontAlgn="t"/>
+            <a:endParaRPr lang="en-US" altLang="zh-CN" sz="1000" dirty="0"/>
+          </a:p>
+          <a:p>
+            <a:pPr fontAlgn="t"/>
+            <a:endParaRPr lang="en-US" altLang="zh-CN" sz="1000" dirty="0" smtClean="0"/>
+          </a:p>
+          <a:p>
+            <a:pPr fontAlgn="t"/>
+            <a:r>
+              <a:rPr lang="en-US" altLang="zh-CN" sz="1000" dirty="0" err="1" smtClean="0"/>
+              <a:t>N_Data</a:t>
+            </a:r>
+            <a:r>
+              <a:rPr lang="en-US" altLang="zh-CN" sz="1000" dirty="0" smtClean="0"/>
+              <a:t>:</a:t>
+            </a:r>
+            <a:endParaRPr lang="zh-CN" altLang="en-US" sz="1000" dirty="0"/>
+          </a:p>
+          <a:p>
+            <a:pPr algn="ctr"/>
+            <a:endParaRPr lang="zh-CN" altLang="en-US" sz="1000" dirty="0"/>
+          </a:p>
+        </p:txBody>
+      </p:sp>
+      <p:sp>
+        <p:nvSpPr>
+          <p:cNvPr id="54" name="圆角矩形 53"/>
+          <p:cNvSpPr/>
+          <p:nvPr/>
+        </p:nvSpPr>
+        <p:spPr>
+          <a:xfrm>
+            <a:off x="4525281" y="1241457"/>
+            <a:ext cx="1178608" cy="589755"/>
+          </a:xfrm>
+          <a:prstGeom prst="roundRect">
+            <a:avLst/>
+          </a:prstGeom>
+        </p:spPr>
+        <p:style>
+          <a:lnRef idx="1">
+            <a:schemeClr val="accent4"/>
+          </a:lnRef>
+          <a:fillRef idx="2">
+            <a:schemeClr val="accent4"/>
+          </a:fillRef>
+          <a:effectRef idx="1">
+            <a:schemeClr val="accent4"/>
+          </a:effectRef>
+          <a:fontRef idx="minor">
+            <a:schemeClr val="dk1"/>
+          </a:fontRef>
+        </p:style>
+        <p:txBody>
+          <a:bodyPr rtlCol="0" anchor="ctr"/>
+          <a:lstStyle/>
+          <a:p>
+            <a:r>
+              <a:rPr lang="en-US" altLang="zh-CN" sz="1000" dirty="0" smtClean="0"/>
+              <a:t>N_SA : 1byte</a:t>
+            </a:r>
+          </a:p>
+          <a:p>
+            <a:r>
+              <a:rPr lang="en-US" altLang="zh-CN" sz="1000" dirty="0" smtClean="0"/>
+              <a:t>N_TA : </a:t>
+            </a:r>
+            <a:r>
+              <a:rPr lang="en-US" altLang="zh-CN" sz="1000" dirty="0"/>
+              <a:t> 1byte</a:t>
+            </a:r>
+          </a:p>
+          <a:p>
+            <a:r>
+              <a:rPr lang="en-US" altLang="zh-CN" sz="1000" dirty="0" err="1" smtClean="0"/>
+              <a:t>N_Tatype</a:t>
+            </a:r>
+            <a:r>
+              <a:rPr lang="en-US" altLang="zh-CN" sz="1000" dirty="0" smtClean="0"/>
+              <a:t> : </a:t>
+            </a:r>
+            <a:r>
+              <a:rPr lang="en-US" altLang="zh-CN" sz="1000" dirty="0" err="1" smtClean="0"/>
+              <a:t>enum</a:t>
+            </a:r>
+            <a:endParaRPr lang="en-US" altLang="zh-CN" sz="1000" dirty="0" smtClean="0"/>
+          </a:p>
+          <a:p>
+            <a:r>
+              <a:rPr lang="en-US" altLang="zh-CN" sz="1000" dirty="0" smtClean="0"/>
+              <a:t>N_AE : 1byte</a:t>
+            </a:r>
+            <a:endParaRPr lang="zh-CN" altLang="en-US" sz="1000" dirty="0"/>
+          </a:p>
+        </p:txBody>
+      </p:sp>
+      <p:sp>
+        <p:nvSpPr>
+          <p:cNvPr id="55" name="圆角矩形 54"/>
+          <p:cNvSpPr/>
+          <p:nvPr/>
+        </p:nvSpPr>
+        <p:spPr>
+          <a:xfrm>
+            <a:off x="4517215" y="2045900"/>
+            <a:ext cx="1178608" cy="440241"/>
+          </a:xfrm>
+          <a:prstGeom prst="roundRect">
+            <a:avLst/>
+          </a:prstGeom>
+        </p:spPr>
+        <p:style>
+          <a:lnRef idx="1">
+            <a:schemeClr val="accent4"/>
+          </a:lnRef>
+          <a:fillRef idx="2">
+            <a:schemeClr val="accent4"/>
+          </a:fillRef>
+          <a:effectRef idx="1">
+            <a:schemeClr val="accent4"/>
+          </a:effectRef>
+          <a:fontRef idx="minor">
+            <a:schemeClr val="dk1"/>
+          </a:fontRef>
+        </p:style>
+        <p:txBody>
+          <a:bodyPr rtlCol="0" anchor="ctr"/>
+          <a:lstStyle/>
+          <a:p>
+            <a:r>
+              <a:rPr lang="en-US" altLang="zh-CN" sz="1000" dirty="0" err="1" smtClean="0"/>
+              <a:t>N_PCItype</a:t>
+            </a:r>
+            <a:r>
+              <a:rPr lang="en-US" altLang="zh-CN" sz="1000" dirty="0" smtClean="0"/>
+              <a:t>=1;4bit</a:t>
+            </a:r>
+          </a:p>
+          <a:p>
+            <a:r>
+              <a:rPr lang="en-US" altLang="zh-CN" sz="1000" dirty="0" smtClean="0"/>
+              <a:t>FF_DL;12bit</a:t>
+            </a:r>
+          </a:p>
+          <a:p>
+            <a:r>
+              <a:rPr lang="en-US" altLang="zh-CN" sz="1000" dirty="0" smtClean="0"/>
+              <a:t>N/A</a:t>
+            </a:r>
+            <a:r>
+              <a:rPr lang="en-US" altLang="zh-CN" sz="1000" dirty="0" smtClean="0"/>
+              <a:t>: 1byte</a:t>
+            </a:r>
+            <a:endParaRPr lang="zh-CN" altLang="en-US" sz="1000" dirty="0"/>
+          </a:p>
+        </p:txBody>
+      </p:sp>
+      <p:sp>
+        <p:nvSpPr>
+          <p:cNvPr id="56" name="TextBox 55"/>
+          <p:cNvSpPr txBox="1"/>
+          <p:nvPr/>
+        </p:nvSpPr>
+        <p:spPr>
+          <a:xfrm>
+            <a:off x="4350435" y="744134"/>
+            <a:ext cx="1512168" cy="246221"/>
+          </a:xfrm>
+          <a:prstGeom prst="rect">
+            <a:avLst/>
+          </a:prstGeom>
+          <a:noFill/>
+        </p:spPr>
+        <p:txBody>
+          <a:bodyPr wrap="square" rtlCol="0">
+            <a:spAutoFit/>
+          </a:bodyPr>
+          <a:lstStyle/>
+          <a:p>
+            <a:r>
+              <a:rPr lang="en-US" altLang="zh-CN" sz="1000" dirty="0" smtClean="0"/>
+              <a:t>First Frame</a:t>
+            </a:r>
+            <a:endParaRPr lang="zh-CN" altLang="en-US" sz="1000" dirty="0"/>
+          </a:p>
+        </p:txBody>
+      </p:sp>
+      <p:sp>
+        <p:nvSpPr>
+          <p:cNvPr id="57" name="圆角矩形 56"/>
+          <p:cNvSpPr/>
+          <p:nvPr/>
+        </p:nvSpPr>
+        <p:spPr>
+          <a:xfrm>
+            <a:off x="4537891" y="2660533"/>
+            <a:ext cx="1178608" cy="207641"/>
+          </a:xfrm>
+          <a:prstGeom prst="roundRect">
+            <a:avLst/>
+          </a:prstGeom>
+        </p:spPr>
+        <p:style>
+          <a:lnRef idx="1">
+            <a:schemeClr val="accent4"/>
+          </a:lnRef>
+          <a:fillRef idx="2">
+            <a:schemeClr val="accent4"/>
+          </a:fillRef>
+          <a:effectRef idx="1">
+            <a:schemeClr val="accent4"/>
+          </a:effectRef>
+          <a:fontRef idx="minor">
+            <a:schemeClr val="dk1"/>
+          </a:fontRef>
+        </p:style>
+        <p:txBody>
+          <a:bodyPr rtlCol="0" anchor="ctr"/>
+          <a:lstStyle/>
+          <a:p>
+            <a:r>
+              <a:rPr lang="en-US" altLang="zh-CN" sz="1000" dirty="0" smtClean="0"/>
+              <a:t>SF_DL </a:t>
+            </a:r>
+            <a:r>
+              <a:rPr lang="en-US" altLang="zh-CN" sz="1000" dirty="0" err="1" smtClean="0"/>
+              <a:t>Datas</a:t>
+            </a:r>
+            <a:endParaRPr lang="zh-CN" altLang="en-US" sz="1000" dirty="0"/>
+          </a:p>
+        </p:txBody>
+      </p:sp>
+      <p:sp>
+        <p:nvSpPr>
+          <p:cNvPr id="58" name="圆角矩形 57"/>
+          <p:cNvSpPr/>
+          <p:nvPr/>
+        </p:nvSpPr>
+        <p:spPr>
+          <a:xfrm>
+            <a:off x="4335287" y="3332339"/>
+            <a:ext cx="1512168" cy="2198439"/>
+          </a:xfrm>
+          <a:prstGeom prst="roundRect">
+            <a:avLst/>
+          </a:prstGeom>
+        </p:spPr>
+        <p:style>
+          <a:lnRef idx="2">
+            <a:schemeClr val="accent4">
+              <a:shade val="50000"/>
+            </a:schemeClr>
+          </a:lnRef>
+          <a:fillRef idx="1">
+            <a:schemeClr val="accent4"/>
+          </a:fillRef>
+          <a:effectRef idx="0">
+            <a:schemeClr val="accent4"/>
+          </a:effectRef>
+          <a:fontRef idx="minor">
+            <a:schemeClr val="lt1"/>
+          </a:fontRef>
+        </p:style>
+        <p:txBody>
+          <a:bodyPr rtlCol="0" anchor="t" anchorCtr="0"/>
+          <a:lstStyle/>
+          <a:p>
+            <a:pPr fontAlgn="t"/>
+            <a:r>
+              <a:rPr lang="en-US" altLang="zh-CN" sz="1000" dirty="0"/>
+              <a:t>N_AI</a:t>
+            </a:r>
+            <a:r>
+              <a:rPr lang="en-US" altLang="zh-CN" sz="1000" dirty="0" smtClean="0"/>
+              <a:t>:</a:t>
+            </a:r>
+          </a:p>
+          <a:p>
+            <a:pPr fontAlgn="t"/>
+            <a:endParaRPr lang="en-US" altLang="zh-CN" sz="1000" dirty="0" smtClean="0"/>
+          </a:p>
+          <a:p>
+            <a:pPr fontAlgn="t"/>
+            <a:endParaRPr lang="en-US" altLang="zh-CN" sz="1000" dirty="0"/>
+          </a:p>
+          <a:p>
+            <a:pPr fontAlgn="t"/>
+            <a:endParaRPr lang="en-US" altLang="zh-CN" sz="1000" dirty="0"/>
+          </a:p>
+          <a:p>
+            <a:pPr fontAlgn="t"/>
+            <a:endParaRPr lang="en-US" altLang="zh-CN" sz="1000" dirty="0"/>
+          </a:p>
+          <a:p>
+            <a:pPr fontAlgn="t"/>
+            <a:r>
+              <a:rPr lang="en-US" altLang="zh-CN" sz="1000" dirty="0" smtClean="0"/>
+              <a:t>N_PCI</a:t>
+            </a:r>
+            <a:r>
+              <a:rPr lang="en-US" altLang="zh-CN" sz="1000" dirty="0" smtClean="0"/>
+              <a:t>:</a:t>
+            </a:r>
+            <a:endParaRPr lang="en-US" altLang="zh-CN" sz="1000" dirty="0"/>
+          </a:p>
+          <a:p>
+            <a:pPr fontAlgn="t"/>
+            <a:endParaRPr lang="en-US" altLang="zh-CN" sz="1000" dirty="0" smtClean="0"/>
+          </a:p>
+          <a:p>
+            <a:pPr fontAlgn="t"/>
+            <a:endParaRPr lang="en-US" altLang="zh-CN" sz="1000" dirty="0"/>
+          </a:p>
+          <a:p>
+            <a:pPr fontAlgn="t"/>
+            <a:endParaRPr lang="en-US" altLang="zh-CN" sz="1000" dirty="0"/>
+          </a:p>
+          <a:p>
+            <a:pPr fontAlgn="t"/>
+            <a:endParaRPr lang="en-US" altLang="zh-CN" sz="1000" dirty="0" smtClean="0"/>
+          </a:p>
+          <a:p>
+            <a:pPr fontAlgn="t"/>
+            <a:r>
+              <a:rPr lang="en-US" altLang="zh-CN" sz="1000" dirty="0" err="1" smtClean="0"/>
+              <a:t>N_Data</a:t>
+            </a:r>
+            <a:r>
+              <a:rPr lang="en-US" altLang="zh-CN" sz="1000" dirty="0" smtClean="0"/>
+              <a:t>:</a:t>
+            </a:r>
+            <a:endParaRPr lang="zh-CN" altLang="en-US" sz="1000" dirty="0"/>
+          </a:p>
+          <a:p>
+            <a:pPr algn="ctr"/>
+            <a:endParaRPr lang="zh-CN" altLang="en-US" sz="1000" dirty="0"/>
+          </a:p>
+        </p:txBody>
+      </p:sp>
+      <p:sp>
+        <p:nvSpPr>
+          <p:cNvPr id="59" name="圆角矩形 58"/>
+          <p:cNvSpPr/>
+          <p:nvPr/>
+        </p:nvSpPr>
+        <p:spPr>
+          <a:xfrm>
+            <a:off x="4482229" y="3619913"/>
+            <a:ext cx="1178608" cy="589755"/>
+          </a:xfrm>
+          <a:prstGeom prst="roundRect">
+            <a:avLst/>
+          </a:prstGeom>
+        </p:spPr>
+        <p:style>
+          <a:lnRef idx="1">
+            <a:schemeClr val="accent4"/>
+          </a:lnRef>
+          <a:fillRef idx="2">
+            <a:schemeClr val="accent4"/>
+          </a:fillRef>
+          <a:effectRef idx="1">
+            <a:schemeClr val="accent4"/>
+          </a:effectRef>
+          <a:fontRef idx="minor">
+            <a:schemeClr val="dk1"/>
+          </a:fontRef>
+        </p:style>
+        <p:txBody>
+          <a:bodyPr rtlCol="0" anchor="ctr"/>
+          <a:lstStyle/>
+          <a:p>
+            <a:r>
+              <a:rPr lang="en-US" altLang="zh-CN" sz="1000" dirty="0" smtClean="0"/>
+              <a:t>N_SA : 1byte</a:t>
+            </a:r>
+          </a:p>
+          <a:p>
+            <a:r>
+              <a:rPr lang="en-US" altLang="zh-CN" sz="1000" dirty="0" smtClean="0"/>
+              <a:t>N_TA : </a:t>
+            </a:r>
+            <a:r>
+              <a:rPr lang="en-US" altLang="zh-CN" sz="1000" dirty="0"/>
+              <a:t> 1byte</a:t>
+            </a:r>
+          </a:p>
+          <a:p>
+            <a:r>
+              <a:rPr lang="en-US" altLang="zh-CN" sz="1000" dirty="0" err="1" smtClean="0"/>
+              <a:t>N_Tatype</a:t>
+            </a:r>
+            <a:r>
+              <a:rPr lang="en-US" altLang="zh-CN" sz="1000" dirty="0" smtClean="0"/>
+              <a:t> : </a:t>
+            </a:r>
+            <a:r>
+              <a:rPr lang="en-US" altLang="zh-CN" sz="1000" dirty="0" err="1" smtClean="0"/>
+              <a:t>enum</a:t>
+            </a:r>
+            <a:endParaRPr lang="en-US" altLang="zh-CN" sz="1000" dirty="0" smtClean="0"/>
+          </a:p>
+          <a:p>
+            <a:r>
+              <a:rPr lang="en-US" altLang="zh-CN" sz="1000" dirty="0" smtClean="0"/>
+              <a:t>N_AE : 1byte</a:t>
+            </a:r>
+            <a:endParaRPr lang="zh-CN" altLang="en-US" sz="1000" dirty="0"/>
+          </a:p>
+        </p:txBody>
+      </p:sp>
+      <p:sp>
+        <p:nvSpPr>
+          <p:cNvPr id="60" name="圆角矩形 59"/>
+          <p:cNvSpPr/>
+          <p:nvPr/>
+        </p:nvSpPr>
+        <p:spPr>
+          <a:xfrm>
+            <a:off x="4482229" y="4377381"/>
+            <a:ext cx="1178608" cy="579859"/>
+          </a:xfrm>
+          <a:prstGeom prst="roundRect">
+            <a:avLst/>
+          </a:prstGeom>
+        </p:spPr>
+        <p:style>
+          <a:lnRef idx="1">
+            <a:schemeClr val="accent4"/>
+          </a:lnRef>
+          <a:fillRef idx="2">
+            <a:schemeClr val="accent4"/>
+          </a:fillRef>
+          <a:effectRef idx="1">
+            <a:schemeClr val="accent4"/>
+          </a:effectRef>
+          <a:fontRef idx="minor">
+            <a:schemeClr val="dk1"/>
+          </a:fontRef>
+        </p:style>
+        <p:txBody>
+          <a:bodyPr rtlCol="0" anchor="ctr"/>
+          <a:lstStyle/>
+          <a:p>
+            <a:r>
+              <a:rPr lang="en-US" altLang="zh-CN" sz="1000" dirty="0" err="1" smtClean="0"/>
+              <a:t>N_PCItype</a:t>
+            </a:r>
+            <a:r>
+              <a:rPr lang="en-US" altLang="zh-CN" sz="1000" dirty="0" smtClean="0"/>
+              <a:t>=2;4bit</a:t>
+            </a:r>
+          </a:p>
+          <a:p>
+            <a:r>
+              <a:rPr lang="en-US" altLang="zh-CN" sz="1000" dirty="0" smtClean="0"/>
+              <a:t>SN; 4bit</a:t>
+            </a:r>
+          </a:p>
+          <a:p>
+            <a:r>
+              <a:rPr lang="en-US" altLang="zh-CN" sz="1000" dirty="0" smtClean="0"/>
+              <a:t>N/A</a:t>
+            </a:r>
+            <a:r>
+              <a:rPr lang="en-US" altLang="zh-CN" sz="1000" dirty="0"/>
+              <a:t>;</a:t>
+            </a:r>
+            <a:r>
+              <a:rPr lang="en-US" altLang="zh-CN" sz="1000" dirty="0" smtClean="0"/>
+              <a:t> 1byte</a:t>
+            </a:r>
+          </a:p>
+          <a:p>
+            <a:r>
+              <a:rPr lang="en-US" altLang="zh-CN" sz="1000" dirty="0" smtClean="0"/>
+              <a:t>N/A; 1byte</a:t>
+            </a:r>
+            <a:endParaRPr lang="zh-CN" altLang="en-US" sz="1000" dirty="0"/>
+          </a:p>
+        </p:txBody>
+      </p:sp>
+      <p:sp>
+        <p:nvSpPr>
+          <p:cNvPr id="61" name="TextBox 60"/>
+          <p:cNvSpPr txBox="1"/>
+          <p:nvPr/>
+        </p:nvSpPr>
+        <p:spPr>
+          <a:xfrm>
+            <a:off x="4319155" y="3073993"/>
+            <a:ext cx="1194359" cy="246221"/>
+          </a:xfrm>
+          <a:prstGeom prst="rect">
+            <a:avLst/>
+          </a:prstGeom>
+          <a:noFill/>
+        </p:spPr>
+        <p:txBody>
+          <a:bodyPr wrap="square" rtlCol="0">
+            <a:spAutoFit/>
+          </a:bodyPr>
+          <a:lstStyle/>
+          <a:p>
+            <a:r>
+              <a:rPr lang="en-US" altLang="zh-CN" sz="1000" dirty="0" smtClean="0"/>
+              <a:t>Consecutive Frame</a:t>
+            </a:r>
+            <a:endParaRPr lang="zh-CN" altLang="en-US" sz="1000" dirty="0"/>
+          </a:p>
+        </p:txBody>
+      </p:sp>
+      <p:sp>
+        <p:nvSpPr>
+          <p:cNvPr id="62" name="圆角矩形 61"/>
+          <p:cNvSpPr/>
+          <p:nvPr/>
+        </p:nvSpPr>
+        <p:spPr>
+          <a:xfrm>
+            <a:off x="4482229" y="5170738"/>
+            <a:ext cx="1178608" cy="207641"/>
+          </a:xfrm>
+          <a:prstGeom prst="roundRect">
+            <a:avLst/>
+          </a:prstGeom>
+        </p:spPr>
+        <p:style>
+          <a:lnRef idx="1">
+            <a:schemeClr val="accent4"/>
+          </a:lnRef>
+          <a:fillRef idx="2">
+            <a:schemeClr val="accent4"/>
+          </a:fillRef>
+          <a:effectRef idx="1">
+            <a:schemeClr val="accent4"/>
+          </a:effectRef>
+          <a:fontRef idx="minor">
+            <a:schemeClr val="dk1"/>
+          </a:fontRef>
+        </p:style>
+        <p:txBody>
+          <a:bodyPr rtlCol="0" anchor="ctr"/>
+          <a:lstStyle/>
+          <a:p>
+            <a:r>
+              <a:rPr lang="en-US" altLang="zh-CN" sz="1000" dirty="0" smtClean="0"/>
+              <a:t>SF_DL </a:t>
+            </a:r>
+            <a:r>
+              <a:rPr lang="en-US" altLang="zh-CN" sz="1000" dirty="0" err="1" smtClean="0"/>
+              <a:t>Datas</a:t>
+            </a:r>
+            <a:endParaRPr lang="zh-CN" altLang="en-US" sz="1000" dirty="0"/>
+          </a:p>
+        </p:txBody>
+      </p:sp>
+      <p:sp>
+        <p:nvSpPr>
+          <p:cNvPr id="63" name="圆角矩形 62"/>
+          <p:cNvSpPr/>
+          <p:nvPr/>
+        </p:nvSpPr>
+        <p:spPr>
+          <a:xfrm>
+            <a:off x="6156176" y="3332339"/>
+            <a:ext cx="936104" cy="2198439"/>
+          </a:xfrm>
+          <a:prstGeom prst="roundRect">
+            <a:avLst/>
+          </a:prstGeom>
+        </p:spPr>
+        <p:style>
+          <a:lnRef idx="1">
+            <a:schemeClr val="accent3"/>
+          </a:lnRef>
+          <a:fillRef idx="2">
+            <a:schemeClr val="accent3"/>
+          </a:fillRef>
+          <a:effectRef idx="1">
+            <a:schemeClr val="accent3"/>
+          </a:effectRef>
+          <a:fontRef idx="minor">
+            <a:schemeClr val="dk1"/>
+          </a:fontRef>
+        </p:style>
+        <p:txBody>
+          <a:bodyPr rtlCol="0" anchor="ctr"/>
+          <a:lstStyle/>
+          <a:p>
+            <a:pPr algn="ctr"/>
+            <a:r>
+              <a:rPr lang="en-US" altLang="zh-CN" sz="1200" dirty="0" smtClean="0"/>
+              <a:t>Data </a:t>
+            </a:r>
+            <a:r>
+              <a:rPr lang="en-US" altLang="zh-CN" sz="1200" dirty="0" smtClean="0"/>
+              <a:t>Assemble</a:t>
+            </a:r>
+            <a:endParaRPr lang="en-US" altLang="zh-CN" sz="1200" dirty="0" smtClean="0"/>
+          </a:p>
+        </p:txBody>
+      </p:sp>
     </p:spTree>
     <p:extLst>
       <p:ext uri="{BB962C8B-B14F-4D97-AF65-F5344CB8AC3E}">
@@ -17104,4 +19037,289 @@
   <a:objectDefaults/>
   <a:extraClrSchemeLst/>
 </a:theme>
+</file>
+
+<file path=ppt/theme/theme2.xml><?xml version="1.0" encoding="utf-8"?>
+<a:theme xmlns:a="http://schemas.openxmlformats.org/drawingml/2006/main" name="Office 主题​​">
+  <a:themeElements>
+    <a:clrScheme name="Office">
+      <a:dk1>
+        <a:sysClr val="windowText" lastClr="000000"/>
+      </a:dk1>
+      <a:lt1>
+        <a:sysClr val="window" lastClr="FFFFFF"/>
+      </a:lt1>
+      <a:dk2>
+        <a:srgbClr val="1F497D"/>
+      </a:dk2>
+      <a:lt2>
+        <a:srgbClr val="EEECE1"/>
+      </a:lt2>
+      <a:accent1>
+        <a:srgbClr val="4F81BD"/>
+      </a:accent1>
+      <a:accent2>
+        <a:srgbClr val="C0504D"/>
+      </a:accent2>
+      <a:accent3>
+        <a:srgbClr val="9BBB59"/>
+      </a:accent3>
+      <a:accent4>
+        <a:srgbClr val="8064A2"/>
+      </a:accent4>
+      <a:accent5>
+        <a:srgbClr val="4BACC6"/>
+      </a:accent5>
+      <a:accent6>
+        <a:srgbClr val="F79646"/>
+      </a:accent6>
+      <a:hlink>
+        <a:srgbClr val="0000FF"/>
+      </a:hlink>
+      <a:folHlink>
+        <a:srgbClr val="800080"/>
+      </a:folHlink>
+    </a:clrScheme>
+    <a:fontScheme name="Office">
+      <a:majorFont>
+        <a:latin typeface="Calibri"/>
+        <a:ea typeface=""/>
+        <a:cs typeface=""/>
+        <a:font script="Jpan" typeface="ＭＳ Ｐゴシック"/>
+        <a:font script="Hang" typeface="맑은 고딕"/>
+        <a:font script="Hans" typeface="宋体"/>
+        <a:font script="Hant" typeface="新細明體"/>
+        <a:font script="Arab" typeface="Times New Roman"/>
+        <a:font script="Hebr" typeface="Times New Roman"/>
+        <a:font script="Thai" typeface="Angsana New"/>
+        <a:font script="Ethi" typeface="Nyala"/>
+        <a:font script="Beng" typeface="Vrinda"/>
+        <a:font script="Gujr" typeface="Shruti"/>
+        <a:font script="Khmr" typeface="MoolBoran"/>
+        <a:font script="Knda" typeface="Tunga"/>
+        <a:font script="Guru" typeface="Raavi"/>
+        <a:font script="Cans" typeface="Euphemia"/>
+        <a:font script="Cher" typeface="Plantagenet Cherokee"/>
+        <a:font script="Yiii" typeface="Microsoft Yi Baiti"/>
+        <a:font script="Tibt" typeface="Microsoft Himalaya"/>
+        <a:font script="Thaa" typeface="MV Boli"/>
+        <a:font script="Deva" typeface="Mangal"/>
+        <a:font script="Telu" typeface="Gautami"/>
+        <a:font script="Taml" typeface="Latha"/>
+        <a:font script="Syrc" typeface="Estrangelo Edessa"/>
+        <a:font script="Orya" typeface="Kalinga"/>
+        <a:font script="Mlym" typeface="Kartika"/>
+        <a:font script="Laoo" typeface="DokChampa"/>
+        <a:font script="Sinh" typeface="Iskoola Pota"/>
+        <a:font script="Mong" typeface="Mongolian Baiti"/>
+        <a:font script="Viet" typeface="Times New Roman"/>
+        <a:font script="Uigh" typeface="Microsoft Uighur"/>
+        <a:font script="Geor" typeface="Sylfaen"/>
+      </a:majorFont>
+      <a:minorFont>
+        <a:latin typeface="Calibri"/>
+        <a:ea typeface=""/>
+        <a:cs typeface=""/>
+        <a:font script="Jpan" typeface="ＭＳ Ｐゴシック"/>
+        <a:font script="Hang" typeface="맑은 고딕"/>
+        <a:font script="Hans" typeface="宋体"/>
+        <a:font script="Hant" typeface="新細明體"/>
+        <a:font script="Arab" typeface="Arial"/>
+        <a:font script="Hebr" typeface="Arial"/>
+        <a:font script="Thai" typeface="Cordia New"/>
+        <a:font script="Ethi" typeface="Nyala"/>
+        <a:font script="Beng" typeface="Vrinda"/>
+        <a:font script="Gujr" typeface="Shruti"/>
+        <a:font script="Khmr" typeface="DaunPenh"/>
+        <a:font script="Knda" typeface="Tunga"/>
+        <a:font script="Guru" typeface="Raavi"/>
+        <a:font script="Cans" typeface="Euphemia"/>
+        <a:font script="Cher" typeface="Plantagenet Cherokee"/>
+        <a:font script="Yiii" typeface="Microsoft Yi Baiti"/>
+        <a:font script="Tibt" typeface="Microsoft Himalaya"/>
+        <a:font script="Thaa" typeface="MV Boli"/>
+        <a:font script="Deva" typeface="Mangal"/>
+        <a:font script="Telu" typeface="Gautami"/>
+        <a:font script="Taml" typeface="Latha"/>
+        <a:font script="Syrc" typeface="Estrangelo Edessa"/>
+        <a:font script="Orya" typeface="Kalinga"/>
+        <a:font script="Mlym" typeface="Kartika"/>
+        <a:font script="Laoo" typeface="DokChampa"/>
+        <a:font script="Sinh" typeface="Iskoola Pota"/>
+        <a:font script="Mong" typeface="Mongolian Baiti"/>
+        <a:font script="Viet" typeface="Arial"/>
+        <a:font script="Uigh" typeface="Microsoft Uighur"/>
+        <a:font script="Geor" typeface="Sylfaen"/>
+      </a:minorFont>
+    </a:fontScheme>
+    <a:fmtScheme name="Office">
+      <a:fillStyleLst>
+        <a:solidFill>
+          <a:schemeClr val="phClr"/>
+        </a:solidFill>
+        <a:gradFill rotWithShape="1">
+          <a:gsLst>
+            <a:gs pos="0">
+              <a:schemeClr val="phClr">
+                <a:tint val="50000"/>
+                <a:satMod val="300000"/>
+              </a:schemeClr>
+            </a:gs>
+            <a:gs pos="35000">
+              <a:schemeClr val="phClr">
+                <a:tint val="37000"/>
+                <a:satMod val="300000"/>
+              </a:schemeClr>
+            </a:gs>
+            <a:gs pos="100000">
+              <a:schemeClr val="phClr">
+                <a:tint val="15000"/>
+                <a:satMod val="350000"/>
+              </a:schemeClr>
+            </a:gs>
+          </a:gsLst>
+          <a:lin ang="16200000" scaled="1"/>
+        </a:gradFill>
+        <a:gradFill rotWithShape="1">
+          <a:gsLst>
+            <a:gs pos="0">
+              <a:schemeClr val="phClr">
+                <a:shade val="51000"/>
+                <a:satMod val="130000"/>
+              </a:schemeClr>
+            </a:gs>
+            <a:gs pos="80000">
+              <a:schemeClr val="phClr">
+                <a:shade val="93000"/>
+                <a:satMod val="130000"/>
+              </a:schemeClr>
+            </a:gs>
+            <a:gs pos="100000">
+              <a:schemeClr val="phClr">
+                <a:shade val="94000"/>
+                <a:satMod val="135000"/>
+              </a:schemeClr>
+            </a:gs>
+          </a:gsLst>
+          <a:lin ang="16200000" scaled="0"/>
+        </a:gradFill>
+      </a:fillStyleLst>
+      <a:lnStyleLst>
+        <a:ln w="9525" cap="flat" cmpd="sng" algn="ctr">
+          <a:solidFill>
+            <a:schemeClr val="phClr">
+              <a:shade val="95000"/>
+              <a:satMod val="105000"/>
+            </a:schemeClr>
+          </a:solidFill>
+          <a:prstDash val="solid"/>
+        </a:ln>
+        <a:ln w="25400" cap="flat" cmpd="sng" algn="ctr">
+          <a:solidFill>
+            <a:schemeClr val="phClr"/>
+          </a:solidFill>
+          <a:prstDash val="solid"/>
+        </a:ln>
+        <a:ln w="38100" cap="flat" cmpd="sng" algn="ctr">
+          <a:solidFill>
+            <a:schemeClr val="phClr"/>
+          </a:solidFill>
+          <a:prstDash val="solid"/>
+        </a:ln>
+      </a:lnStyleLst>
+      <a:effectStyleLst>
+        <a:effectStyle>
+          <a:effectLst>
+            <a:outerShdw blurRad="40000" dist="20000" dir="5400000" rotWithShape="0">
+              <a:srgbClr val="000000">
+                <a:alpha val="38000"/>
+              </a:srgbClr>
+            </a:outerShdw>
+          </a:effectLst>
+        </a:effectStyle>
+        <a:effectStyle>
+          <a:effectLst>
+            <a:outerShdw blurRad="40000" dist="23000" dir="5400000" rotWithShape="0">
+              <a:srgbClr val="000000">
+                <a:alpha val="35000"/>
+              </a:srgbClr>
+            </a:outerShdw>
+          </a:effectLst>
+        </a:effectStyle>
+        <a:effectStyle>
+          <a:effectLst>
+            <a:outerShdw blurRad="40000" dist="23000" dir="5400000" rotWithShape="0">
+              <a:srgbClr val="000000">
+                <a:alpha val="35000"/>
+              </a:srgbClr>
+            </a:outerShdw>
+          </a:effectLst>
+          <a:scene3d>
+            <a:camera prst="orthographicFront">
+              <a:rot lat="0" lon="0" rev="0"/>
+            </a:camera>
+            <a:lightRig rig="threePt" dir="t">
+              <a:rot lat="0" lon="0" rev="1200000"/>
+            </a:lightRig>
+          </a:scene3d>
+          <a:sp3d>
+            <a:bevelT w="63500" h="25400"/>
+          </a:sp3d>
+        </a:effectStyle>
+      </a:effectStyleLst>
+      <a:bgFillStyleLst>
+        <a:solidFill>
+          <a:schemeClr val="phClr"/>
+        </a:solidFill>
+        <a:gradFill rotWithShape="1">
+          <a:gsLst>
+            <a:gs pos="0">
+              <a:schemeClr val="phClr">
+                <a:tint val="40000"/>
+                <a:satMod val="350000"/>
+              </a:schemeClr>
+            </a:gs>
+            <a:gs pos="40000">
+              <a:schemeClr val="phClr">
+                <a:tint val="45000"/>
+                <a:shade val="99000"/>
+                <a:satMod val="350000"/>
+              </a:schemeClr>
+            </a:gs>
+            <a:gs pos="100000">
+              <a:schemeClr val="phClr">
+                <a:shade val="20000"/>
+                <a:satMod val="255000"/>
+              </a:schemeClr>
+            </a:gs>
+          </a:gsLst>
+          <a:path path="circle">
+            <a:fillToRect l="50000" t="-80000" r="50000" b="180000"/>
+          </a:path>
+        </a:gradFill>
+        <a:gradFill rotWithShape="1">
+          <a:gsLst>
+            <a:gs pos="0">
+              <a:schemeClr val="phClr">
+                <a:tint val="80000"/>
+                <a:satMod val="300000"/>
+              </a:schemeClr>
+            </a:gs>
+            <a:gs pos="100000">
+              <a:schemeClr val="phClr">
+                <a:shade val="30000"/>
+                <a:satMod val="200000"/>
+              </a:schemeClr>
+            </a:gs>
+          </a:gsLst>
+          <a:path path="circle">
+            <a:fillToRect l="50000" t="50000" r="50000" b="50000"/>
+          </a:path>
+        </a:gradFill>
+      </a:bgFillStyleLst>
+    </a:fmtScheme>
+  </a:themeElements>
+  <a:objectDefaults/>
+  <a:extraClrSchemeLst/>
+</a:theme>
 </file>